--- a/Project_1_Iter_1_Slides.pptx
+++ b/Project_1_Iter_1_Slides.pptx
@@ -1,30 +1,37 @@
 
 <file path=ppt/presentation.xml><?xml version="1.0" encoding="utf-8"?>
-<p:presentation xmlns:a="http://schemas.openxmlformats.org/drawingml/2006/main" xmlns:r="http://schemas.openxmlformats.org/officeDocument/2006/relationships" xmlns:mc="http://schemas.openxmlformats.org/markup-compatibility/2006" xmlns:mv="urn:schemas-microsoft-com:mac:vml" xmlns:p="http://schemas.openxmlformats.org/presentationml/2006/main" xmlns:c="http://schemas.openxmlformats.org/drawingml/2006/chart" xmlns:dgm="http://schemas.openxmlformats.org/drawingml/2006/diagram" xmlns:o="urn:schemas-microsoft-com:office:office" xmlns:v="urn:schemas-microsoft-com:vml" xmlns:pvml="urn:schemas-microsoft-com:office:powerpoint" xmlns:com="http://schemas.openxmlformats.org/drawingml/2006/compatibility" xmlns:p14="http://schemas.microsoft.com/office/powerpoint/2010/main" autoCompressPictures="0" embedTrueTypeFonts="1" strictFirstAndLastChars="0" saveSubsetFonts="1">
+<p:presentation xmlns:a="http://schemas.openxmlformats.org/drawingml/2006/main" xmlns:r="http://schemas.openxmlformats.org/officeDocument/2006/relationships" xmlns:p="http://schemas.openxmlformats.org/presentationml/2006/main" strictFirstAndLastChars="0" embedTrueTypeFonts="1" saveSubsetFonts="1" autoCompressPictures="0">
   <p:sldMasterIdLst>
-    <p:sldMasterId id="2147483660" r:id="rId3"/>
+    <p:sldMasterId id="2147483660" r:id="rId1"/>
   </p:sldMasterIdLst>
   <p:notesMasterIdLst>
-    <p:notesMasterId r:id="rId4"/>
+    <p:notesMasterId r:id="rId5"/>
   </p:notesMasterIdLst>
   <p:sldIdLst>
-    <p:sldId id="256" r:id="rId5"/>
-    <p:sldId id="257" r:id="rId6"/>
-    <p:sldId id="258" r:id="rId7"/>
+    <p:sldId id="256" r:id="rId2"/>
+    <p:sldId id="257" r:id="rId3"/>
+    <p:sldId id="258" r:id="rId4"/>
   </p:sldIdLst>
-  <p:sldSz cy="6858000" cx="9144000"/>
+  <p:sldSz cx="9144000" cy="6858000" type="screen4x3"/>
   <p:notesSz cx="6858000" cy="9144000"/>
   <p:embeddedFontLst>
     <p:embeddedFont>
-      <p:font typeface="Proxima Nova"/>
-      <p:regular r:id="rId8"/>
-      <p:bold r:id="rId9"/>
-      <p:italic r:id="rId10"/>
-      <p:boldItalic r:id="rId11"/>
+      <p:font typeface="Calibri" pitchFamily="34" charset="0"/>
+      <p:regular r:id="rId6"/>
+      <p:bold r:id="rId7"/>
+      <p:italic r:id="rId8"/>
+      <p:boldItalic r:id="rId9"/>
+    </p:embeddedFont>
+    <p:embeddedFont>
+      <p:font typeface="Proxima Nova" charset="0"/>
+      <p:regular r:id="rId10"/>
+      <p:bold r:id="rId11"/>
+      <p:italic r:id="rId12"/>
+      <p:boldItalic r:id="rId13"/>
     </p:embeddedFont>
   </p:embeddedFontLst>
   <p:defaultTextStyle>
-    <a:defPPr lvl="0" marR="0" rtl="0" algn="l">
+    <a:defPPr marR="0" lvl="0" algn="l" rtl="0">
       <a:lnSpc>
         <a:spcPct val="100000"/>
       </a:lnSpc>
@@ -35,7 +42,7 @@
         <a:spcPts val="0"/>
       </a:spcAft>
     </a:defPPr>
-    <a:lvl1pPr lvl="0" marR="0" rtl="0" algn="l">
+    <a:lvl1pPr marR="0" lvl="0" algn="l" rtl="0">
       <a:lnSpc>
         <a:spcPct val="100000"/>
       </a:lnSpc>
@@ -46,7 +53,7 @@
         <a:spcPts val="0"/>
       </a:spcAft>
       <a:buNone/>
-      <a:defRPr b="0" i="0" sz="1400" u="none" cap="none" strike="noStrike">
+      <a:defRPr sz="1400" b="0" i="0" u="none" strike="noStrike" cap="none">
         <a:solidFill>
           <a:srgbClr val="000000"/>
         </a:solidFill>
@@ -56,7 +63,7 @@
         <a:sym typeface="Arial"/>
       </a:defRPr>
     </a:lvl1pPr>
-    <a:lvl2pPr lvl="1" marR="0" rtl="0" algn="l">
+    <a:lvl2pPr marR="0" lvl="1" algn="l" rtl="0">
       <a:lnSpc>
         <a:spcPct val="100000"/>
       </a:lnSpc>
@@ -67,7 +74,7 @@
         <a:spcPts val="0"/>
       </a:spcAft>
       <a:buNone/>
-      <a:defRPr b="0" i="0" sz="1400" u="none" cap="none" strike="noStrike">
+      <a:defRPr sz="1400" b="0" i="0" u="none" strike="noStrike" cap="none">
         <a:solidFill>
           <a:srgbClr val="000000"/>
         </a:solidFill>
@@ -77,7 +84,7 @@
         <a:sym typeface="Arial"/>
       </a:defRPr>
     </a:lvl2pPr>
-    <a:lvl3pPr lvl="2" marR="0" rtl="0" algn="l">
+    <a:lvl3pPr marR="0" lvl="2" algn="l" rtl="0">
       <a:lnSpc>
         <a:spcPct val="100000"/>
       </a:lnSpc>
@@ -88,7 +95,7 @@
         <a:spcPts val="0"/>
       </a:spcAft>
       <a:buNone/>
-      <a:defRPr b="0" i="0" sz="1400" u="none" cap="none" strike="noStrike">
+      <a:defRPr sz="1400" b="0" i="0" u="none" strike="noStrike" cap="none">
         <a:solidFill>
           <a:srgbClr val="000000"/>
         </a:solidFill>
@@ -98,7 +105,7 @@
         <a:sym typeface="Arial"/>
       </a:defRPr>
     </a:lvl3pPr>
-    <a:lvl4pPr lvl="3" marR="0" rtl="0" algn="l">
+    <a:lvl4pPr marR="0" lvl="3" algn="l" rtl="0">
       <a:lnSpc>
         <a:spcPct val="100000"/>
       </a:lnSpc>
@@ -109,7 +116,7 @@
         <a:spcPts val="0"/>
       </a:spcAft>
       <a:buNone/>
-      <a:defRPr b="0" i="0" sz="1400" u="none" cap="none" strike="noStrike">
+      <a:defRPr sz="1400" b="0" i="0" u="none" strike="noStrike" cap="none">
         <a:solidFill>
           <a:srgbClr val="000000"/>
         </a:solidFill>
@@ -119,7 +126,7 @@
         <a:sym typeface="Arial"/>
       </a:defRPr>
     </a:lvl4pPr>
-    <a:lvl5pPr lvl="4" marR="0" rtl="0" algn="l">
+    <a:lvl5pPr marR="0" lvl="4" algn="l" rtl="0">
       <a:lnSpc>
         <a:spcPct val="100000"/>
       </a:lnSpc>
@@ -130,7 +137,7 @@
         <a:spcPts val="0"/>
       </a:spcAft>
       <a:buNone/>
-      <a:defRPr b="0" i="0" sz="1400" u="none" cap="none" strike="noStrike">
+      <a:defRPr sz="1400" b="0" i="0" u="none" strike="noStrike" cap="none">
         <a:solidFill>
           <a:srgbClr val="000000"/>
         </a:solidFill>
@@ -140,7 +147,7 @@
         <a:sym typeface="Arial"/>
       </a:defRPr>
     </a:lvl5pPr>
-    <a:lvl6pPr lvl="5" marR="0" rtl="0" algn="l">
+    <a:lvl6pPr marR="0" lvl="5" algn="l" rtl="0">
       <a:lnSpc>
         <a:spcPct val="100000"/>
       </a:lnSpc>
@@ -151,7 +158,7 @@
         <a:spcPts val="0"/>
       </a:spcAft>
       <a:buNone/>
-      <a:defRPr b="0" i="0" sz="1400" u="none" cap="none" strike="noStrike">
+      <a:defRPr sz="1400" b="0" i="0" u="none" strike="noStrike" cap="none">
         <a:solidFill>
           <a:srgbClr val="000000"/>
         </a:solidFill>
@@ -161,7 +168,7 @@
         <a:sym typeface="Arial"/>
       </a:defRPr>
     </a:lvl6pPr>
-    <a:lvl7pPr lvl="6" marR="0" rtl="0" algn="l">
+    <a:lvl7pPr marR="0" lvl="6" algn="l" rtl="0">
       <a:lnSpc>
         <a:spcPct val="100000"/>
       </a:lnSpc>
@@ -172,7 +179,7 @@
         <a:spcPts val="0"/>
       </a:spcAft>
       <a:buNone/>
-      <a:defRPr b="0" i="0" sz="1400" u="none" cap="none" strike="noStrike">
+      <a:defRPr sz="1400" b="0" i="0" u="none" strike="noStrike" cap="none">
         <a:solidFill>
           <a:srgbClr val="000000"/>
         </a:solidFill>
@@ -182,7 +189,7 @@
         <a:sym typeface="Arial"/>
       </a:defRPr>
     </a:lvl7pPr>
-    <a:lvl8pPr lvl="7" marR="0" rtl="0" algn="l">
+    <a:lvl8pPr marR="0" lvl="7" algn="l" rtl="0">
       <a:lnSpc>
         <a:spcPct val="100000"/>
       </a:lnSpc>
@@ -193,7 +200,7 @@
         <a:spcPts val="0"/>
       </a:spcAft>
       <a:buNone/>
-      <a:defRPr b="0" i="0" sz="1400" u="none" cap="none" strike="noStrike">
+      <a:defRPr sz="1400" b="0" i="0" u="none" strike="noStrike" cap="none">
         <a:solidFill>
           <a:srgbClr val="000000"/>
         </a:solidFill>
@@ -203,7 +210,7 @@
         <a:sym typeface="Arial"/>
       </a:defRPr>
     </a:lvl8pPr>
-    <a:lvl9pPr lvl="8" marR="0" rtl="0" algn="l">
+    <a:lvl9pPr marR="0" lvl="8" algn="l" rtl="0">
       <a:lnSpc>
         <a:spcPct val="100000"/>
       </a:lnSpc>
@@ -214,7 +221,7 @@
         <a:spcPts val="0"/>
       </a:spcAft>
       <a:buNone/>
-      <a:defRPr b="0" i="0" sz="1400" u="none" cap="none" strike="noStrike">
+      <a:defRPr sz="1400" b="0" i="0" u="none" strike="noStrike" cap="none">
         <a:solidFill>
           <a:srgbClr val="000000"/>
         </a:solidFill>
@@ -229,11 +236,16 @@
 </file>
 
 <file path=ppt/notesMasters/notesMaster1.xml><?xml version="1.0" encoding="utf-8"?>
-<p:notesMaster xmlns:a="http://schemas.openxmlformats.org/drawingml/2006/main" xmlns:r="http://schemas.openxmlformats.org/officeDocument/2006/relationships" xmlns:mc="http://schemas.openxmlformats.org/markup-compatibility/2006" xmlns:mv="urn:schemas-microsoft-com:mac:vml" xmlns:p="http://schemas.openxmlformats.org/presentationml/2006/main" xmlns:c="http://schemas.openxmlformats.org/drawingml/2006/chart" xmlns:dgm="http://schemas.openxmlformats.org/drawingml/2006/diagram" xmlns:o="urn:schemas-microsoft-com:office:office" xmlns:v="urn:schemas-microsoft-com:vml" xmlns:pvml="urn:schemas-microsoft-com:office:powerpoint" xmlns:com="http://schemas.openxmlformats.org/drawingml/2006/compatibility" xmlns:p14="http://schemas.microsoft.com/office/powerpoint/2010/main">
+<p:notesMaster xmlns:a="http://schemas.openxmlformats.org/drawingml/2006/main" xmlns:r="http://schemas.openxmlformats.org/officeDocument/2006/relationships" xmlns:p="http://schemas.openxmlformats.org/presentationml/2006/main">
   <p:cSld>
+    <p:bg>
+      <p:bgRef idx="1001">
+        <a:schemeClr val="bg1"/>
+      </p:bgRef>
+    </p:bg>
     <p:spTree>
       <p:nvGrpSpPr>
-        <p:cNvPr id="2" name="Shape 2"/>
+        <p:cNvPr id="1" name="Shape 2"/>
         <p:cNvGrpSpPr/>
         <p:nvPr/>
       </p:nvGrpSpPr>
@@ -248,9 +260,11 @@
       <p:sp>
         <p:nvSpPr>
           <p:cNvPr id="3" name="Shape 3"/>
-          <p:cNvSpPr/>
+          <p:cNvSpPr>
+            <a:spLocks noGrp="1" noRot="1" noChangeAspect="1"/>
+          </p:cNvSpPr>
           <p:nvPr>
-            <p:ph idx="2" type="sldImg"/>
+            <p:ph type="sldImg" idx="2"/>
           </p:nvPr>
         </p:nvSpPr>
         <p:spPr>
@@ -259,8 +273,13 @@
             <a:ext cx="4572225" cy="3429000"/>
           </a:xfrm>
           <a:custGeom>
+            <a:avLst/>
+            <a:gdLst/>
+            <a:ahLst/>
+            <a:cxnLst/>
+            <a:rect l="0" t="0" r="0" b="0"/>
             <a:pathLst>
-              <a:path extrusionOk="0" h="120000" w="120000">
+              <a:path w="120000" h="120000" extrusionOk="0">
                 <a:moveTo>
                   <a:pt x="0" y="0"/>
                 </a:moveTo>
@@ -278,23 +297,25 @@
             </a:pathLst>
           </a:custGeom>
           <a:noFill/>
-          <a:ln cap="flat" cmpd="sng" w="9525">
+          <a:ln w="9525" cap="flat" cmpd="sng">
             <a:solidFill>
               <a:srgbClr val="000000"/>
             </a:solidFill>
             <a:prstDash val="solid"/>
             <a:round/>
-            <a:headEnd len="med" w="med" type="none"/>
-            <a:tailEnd len="med" w="med" type="none"/>
+            <a:headEnd type="none" w="med" len="med"/>
+            <a:tailEnd type="none" w="med" len="med"/>
           </a:ln>
         </p:spPr>
       </p:sp>
       <p:sp>
         <p:nvSpPr>
           <p:cNvPr id="4" name="Shape 4"/>
-          <p:cNvSpPr txBox="1"/>
+          <p:cNvSpPr txBox="1">
+            <a:spLocks noGrp="1"/>
+          </p:cNvSpPr>
           <p:nvPr>
-            <p:ph idx="1" type="body"/>
+            <p:ph type="body" idx="1"/>
           </p:nvPr>
         </p:nvSpPr>
         <p:spPr>
@@ -311,7 +332,7 @@
           </a:ln>
         </p:spPr>
         <p:txBody>
-          <a:bodyPr anchorCtr="0" anchor="t" bIns="91425" lIns="91425" rIns="91425" tIns="91425"/>
+          <a:bodyPr lIns="91425" tIns="91425" rIns="91425" bIns="91425" anchor="t" anchorCtr="0"/>
           <a:lstStyle>
             <a:lvl1pPr lvl="0">
               <a:spcBef>
@@ -368,21 +389,115 @@
               <a:defRPr sz="1100"/>
             </a:lvl9pPr>
           </a:lstStyle>
-          <a:p/>
+          <a:p>
+            <a:endParaRPr/>
+          </a:p>
         </p:txBody>
       </p:sp>
     </p:spTree>
   </p:cSld>
-  <p:clrMap accent1="accent1" accent2="accent2" accent3="accent3" accent4="accent4" accent5="accent5" accent6="accent6" bg1="lt1" bg2="dk2" tx1="dk1" tx2="lt2" folHlink="folHlink" hlink="hlink"/>
+  <p:clrMap bg1="lt1" tx1="dk1" bg2="dk2" tx2="lt2" accent1="accent1" accent2="accent2" accent3="accent3" accent4="accent4" accent5="accent5" accent6="accent6" hlink="hlink" folHlink="folHlink"/>
+  <p:notesStyle>
+    <a:lvl1pPr marL="0" algn="l" defTabSz="914400" rtl="0" eaLnBrk="1" latinLnBrk="0" hangingPunct="1">
+      <a:defRPr sz="1200" kern="1200">
+        <a:solidFill>
+          <a:schemeClr val="tx1"/>
+        </a:solidFill>
+        <a:latin typeface="+mn-lt"/>
+        <a:ea typeface="+mn-ea"/>
+        <a:cs typeface="+mn-cs"/>
+      </a:defRPr>
+    </a:lvl1pPr>
+    <a:lvl2pPr marL="457200" algn="l" defTabSz="914400" rtl="0" eaLnBrk="1" latinLnBrk="0" hangingPunct="1">
+      <a:defRPr sz="1200" kern="1200">
+        <a:solidFill>
+          <a:schemeClr val="tx1"/>
+        </a:solidFill>
+        <a:latin typeface="+mn-lt"/>
+        <a:ea typeface="+mn-ea"/>
+        <a:cs typeface="+mn-cs"/>
+      </a:defRPr>
+    </a:lvl2pPr>
+    <a:lvl3pPr marL="914400" algn="l" defTabSz="914400" rtl="0" eaLnBrk="1" latinLnBrk="0" hangingPunct="1">
+      <a:defRPr sz="1200" kern="1200">
+        <a:solidFill>
+          <a:schemeClr val="tx1"/>
+        </a:solidFill>
+        <a:latin typeface="+mn-lt"/>
+        <a:ea typeface="+mn-ea"/>
+        <a:cs typeface="+mn-cs"/>
+      </a:defRPr>
+    </a:lvl3pPr>
+    <a:lvl4pPr marL="1371600" algn="l" defTabSz="914400" rtl="0" eaLnBrk="1" latinLnBrk="0" hangingPunct="1">
+      <a:defRPr sz="1200" kern="1200">
+        <a:solidFill>
+          <a:schemeClr val="tx1"/>
+        </a:solidFill>
+        <a:latin typeface="+mn-lt"/>
+        <a:ea typeface="+mn-ea"/>
+        <a:cs typeface="+mn-cs"/>
+      </a:defRPr>
+    </a:lvl4pPr>
+    <a:lvl5pPr marL="1828800" algn="l" defTabSz="914400" rtl="0" eaLnBrk="1" latinLnBrk="0" hangingPunct="1">
+      <a:defRPr sz="1200" kern="1200">
+        <a:solidFill>
+          <a:schemeClr val="tx1"/>
+        </a:solidFill>
+        <a:latin typeface="+mn-lt"/>
+        <a:ea typeface="+mn-ea"/>
+        <a:cs typeface="+mn-cs"/>
+      </a:defRPr>
+    </a:lvl5pPr>
+    <a:lvl6pPr marL="2286000" algn="l" defTabSz="914400" rtl="0" eaLnBrk="1" latinLnBrk="0" hangingPunct="1">
+      <a:defRPr sz="1200" kern="1200">
+        <a:solidFill>
+          <a:schemeClr val="tx1"/>
+        </a:solidFill>
+        <a:latin typeface="+mn-lt"/>
+        <a:ea typeface="+mn-ea"/>
+        <a:cs typeface="+mn-cs"/>
+      </a:defRPr>
+    </a:lvl6pPr>
+    <a:lvl7pPr marL="2743200" algn="l" defTabSz="914400" rtl="0" eaLnBrk="1" latinLnBrk="0" hangingPunct="1">
+      <a:defRPr sz="1200" kern="1200">
+        <a:solidFill>
+          <a:schemeClr val="tx1"/>
+        </a:solidFill>
+        <a:latin typeface="+mn-lt"/>
+        <a:ea typeface="+mn-ea"/>
+        <a:cs typeface="+mn-cs"/>
+      </a:defRPr>
+    </a:lvl7pPr>
+    <a:lvl8pPr marL="3200400" algn="l" defTabSz="914400" rtl="0" eaLnBrk="1" latinLnBrk="0" hangingPunct="1">
+      <a:defRPr sz="1200" kern="1200">
+        <a:solidFill>
+          <a:schemeClr val="tx1"/>
+        </a:solidFill>
+        <a:latin typeface="+mn-lt"/>
+        <a:ea typeface="+mn-ea"/>
+        <a:cs typeface="+mn-cs"/>
+      </a:defRPr>
+    </a:lvl8pPr>
+    <a:lvl9pPr marL="3657600" algn="l" defTabSz="914400" rtl="0" eaLnBrk="1" latinLnBrk="0" hangingPunct="1">
+      <a:defRPr sz="1200" kern="1200">
+        <a:solidFill>
+          <a:schemeClr val="tx1"/>
+        </a:solidFill>
+        <a:latin typeface="+mn-lt"/>
+        <a:ea typeface="+mn-ea"/>
+        <a:cs typeface="+mn-cs"/>
+      </a:defRPr>
+    </a:lvl9pPr>
+  </p:notesStyle>
 </p:notesMaster>
 </file>
 
 <file path=ppt/notesSlides/notesSlide1.xml><?xml version="1.0" encoding="utf-8"?>
-<p:notes xmlns:a="http://schemas.openxmlformats.org/drawingml/2006/main" xmlns:r="http://schemas.openxmlformats.org/officeDocument/2006/relationships" xmlns:mc="http://schemas.openxmlformats.org/markup-compatibility/2006" xmlns:mv="urn:schemas-microsoft-com:mac:vml" xmlns:p="http://schemas.openxmlformats.org/presentationml/2006/main" xmlns:c="http://schemas.openxmlformats.org/drawingml/2006/chart" xmlns:dgm="http://schemas.openxmlformats.org/drawingml/2006/diagram" xmlns:o="urn:schemas-microsoft-com:office:office" xmlns:v="urn:schemas-microsoft-com:vml" xmlns:pvml="urn:schemas-microsoft-com:office:powerpoint" xmlns:com="http://schemas.openxmlformats.org/drawingml/2006/compatibility" xmlns:p14="http://schemas.microsoft.com/office/powerpoint/2010/main" showMasterPhAnim="0" showMasterSp="0">
+<p:notes xmlns:a="http://schemas.openxmlformats.org/drawingml/2006/main" xmlns:r="http://schemas.openxmlformats.org/officeDocument/2006/relationships" xmlns:p="http://schemas.openxmlformats.org/presentationml/2006/main" showMasterSp="0" showMasterPhAnim="0">
   <p:cSld>
     <p:spTree>
       <p:nvGrpSpPr>
-        <p:cNvPr id="61" name="Shape 61"/>
+        <p:cNvPr id="1" name="Shape 61"/>
         <p:cNvGrpSpPr/>
         <p:nvPr/>
       </p:nvGrpSpPr>
@@ -397,9 +512,11 @@
       <p:sp>
         <p:nvSpPr>
           <p:cNvPr id="62" name="Shape 62"/>
-          <p:cNvSpPr txBox="1"/>
+          <p:cNvSpPr txBox="1">
+            <a:spLocks noGrp="1"/>
+          </p:cNvSpPr>
           <p:nvPr>
-            <p:ph idx="1" type="body"/>
+            <p:ph type="body" idx="1"/>
           </p:nvPr>
         </p:nvSpPr>
         <p:spPr>
@@ -416,7 +533,7 @@
           </a:ln>
         </p:spPr>
         <p:txBody>
-          <a:bodyPr anchorCtr="0" anchor="ctr" bIns="91425" lIns="91425" rIns="91425" tIns="91425">
+          <a:bodyPr lIns="91425" tIns="91425" rIns="91425" bIns="91425" anchor="ctr" anchorCtr="0">
             <a:noAutofit/>
           </a:bodyPr>
           <a:lstStyle/>
@@ -437,9 +554,11 @@
       <p:sp>
         <p:nvSpPr>
           <p:cNvPr id="63" name="Shape 63"/>
-          <p:cNvSpPr/>
+          <p:cNvSpPr>
+            <a:spLocks noGrp="1" noRot="1" noChangeAspect="1"/>
+          </p:cNvSpPr>
           <p:nvPr>
-            <p:ph idx="2" type="sldImg"/>
+            <p:ph type="sldImg" idx="2"/>
           </p:nvPr>
         </p:nvSpPr>
         <p:spPr>
@@ -448,8 +567,13 @@
             <a:ext cx="4572225" cy="3429000"/>
           </a:xfrm>
           <a:custGeom>
+            <a:avLst/>
+            <a:gdLst/>
+            <a:ahLst/>
+            <a:cxnLst/>
+            <a:rect l="0" t="0" r="0" b="0"/>
             <a:pathLst>
-              <a:path extrusionOk="0" h="120000" w="120000">
+              <a:path w="120000" h="120000" extrusionOk="0">
                 <a:moveTo>
                   <a:pt x="0" y="0"/>
                 </a:moveTo>
@@ -477,11 +601,11 @@
 </file>
 
 <file path=ppt/notesSlides/notesSlide2.xml><?xml version="1.0" encoding="utf-8"?>
-<p:notes xmlns:a="http://schemas.openxmlformats.org/drawingml/2006/main" xmlns:r="http://schemas.openxmlformats.org/officeDocument/2006/relationships" xmlns:mc="http://schemas.openxmlformats.org/markup-compatibility/2006" xmlns:mv="urn:schemas-microsoft-com:mac:vml" xmlns:p="http://schemas.openxmlformats.org/presentationml/2006/main" xmlns:c="http://schemas.openxmlformats.org/drawingml/2006/chart" xmlns:dgm="http://schemas.openxmlformats.org/drawingml/2006/diagram" xmlns:o="urn:schemas-microsoft-com:office:office" xmlns:v="urn:schemas-microsoft-com:vml" xmlns:pvml="urn:schemas-microsoft-com:office:powerpoint" xmlns:com="http://schemas.openxmlformats.org/drawingml/2006/compatibility" xmlns:p14="http://schemas.microsoft.com/office/powerpoint/2010/main" showMasterPhAnim="0" showMasterSp="0">
+<p:notes xmlns:a="http://schemas.openxmlformats.org/drawingml/2006/main" xmlns:r="http://schemas.openxmlformats.org/officeDocument/2006/relationships" xmlns:p="http://schemas.openxmlformats.org/presentationml/2006/main" showMasterSp="0" showMasterPhAnim="0">
   <p:cSld>
     <p:spTree>
       <p:nvGrpSpPr>
-        <p:cNvPr id="67" name="Shape 67"/>
+        <p:cNvPr id="1" name="Shape 67"/>
         <p:cNvGrpSpPr/>
         <p:nvPr/>
       </p:nvGrpSpPr>
@@ -496,19 +620,26 @@
       <p:sp>
         <p:nvSpPr>
           <p:cNvPr id="68" name="Shape 68"/>
-          <p:cNvSpPr/>
+          <p:cNvSpPr>
+            <a:spLocks noGrp="1" noRot="1" noChangeAspect="1"/>
+          </p:cNvSpPr>
           <p:nvPr>
-            <p:ph idx="2" type="sldImg"/>
+            <p:ph type="sldImg" idx="2"/>
           </p:nvPr>
         </p:nvSpPr>
         <p:spPr>
           <a:xfrm>
-            <a:off x="1143225" y="685800"/>
-            <a:ext cx="4572299" cy="3429000"/>
+            <a:off x="1143000" y="685800"/>
+            <a:ext cx="4572000" cy="3429000"/>
           </a:xfrm>
           <a:custGeom>
+            <a:avLst/>
+            <a:gdLst/>
+            <a:ahLst/>
+            <a:cxnLst/>
+            <a:rect l="0" t="0" r="0" b="0"/>
             <a:pathLst>
-              <a:path extrusionOk="0" h="120000" w="120000">
+              <a:path w="120000" h="120000" extrusionOk="0">
                 <a:moveTo>
                   <a:pt x="0" y="0"/>
                 </a:moveTo>
@@ -530,9 +661,11 @@
       <p:sp>
         <p:nvSpPr>
           <p:cNvPr id="69" name="Shape 69"/>
-          <p:cNvSpPr txBox="1"/>
+          <p:cNvSpPr txBox="1">
+            <a:spLocks noGrp="1"/>
+          </p:cNvSpPr>
           <p:nvPr>
-            <p:ph idx="1" type="body"/>
+            <p:ph type="body" idx="1"/>
           </p:nvPr>
         </p:nvSpPr>
         <p:spPr>
@@ -545,7 +678,7 @@
           </a:prstGeom>
         </p:spPr>
         <p:txBody>
-          <a:bodyPr anchorCtr="0" anchor="t" bIns="91425" lIns="91425" rIns="91425" tIns="91425">
+          <a:bodyPr lIns="91425" tIns="91425" rIns="91425" bIns="91425" anchor="t" anchorCtr="0">
             <a:noAutofit/>
           </a:bodyPr>
           <a:lstStyle/>
@@ -557,7 +690,7 @@
               <a:buNone/>
             </a:pPr>
             <a:r>
-              <a:rPr lang="en-US"/>
+              <a:rPr lang="en-US" dirty="0"/>
               <a:t>Isaiah Thacker</a:t>
             </a:r>
           </a:p>
@@ -572,11 +705,11 @@
 </file>
 
 <file path=ppt/notesSlides/notesSlide3.xml><?xml version="1.0" encoding="utf-8"?>
-<p:notes xmlns:a="http://schemas.openxmlformats.org/drawingml/2006/main" xmlns:r="http://schemas.openxmlformats.org/officeDocument/2006/relationships" xmlns:mc="http://schemas.openxmlformats.org/markup-compatibility/2006" xmlns:mv="urn:schemas-microsoft-com:mac:vml" xmlns:p="http://schemas.openxmlformats.org/presentationml/2006/main" xmlns:c="http://schemas.openxmlformats.org/drawingml/2006/chart" xmlns:dgm="http://schemas.openxmlformats.org/drawingml/2006/diagram" xmlns:o="urn:schemas-microsoft-com:office:office" xmlns:v="urn:schemas-microsoft-com:vml" xmlns:pvml="urn:schemas-microsoft-com:office:powerpoint" xmlns:com="http://schemas.openxmlformats.org/drawingml/2006/compatibility" xmlns:p14="http://schemas.microsoft.com/office/powerpoint/2010/main" showMasterPhAnim="0" showMasterSp="0">
+<p:notes xmlns:a="http://schemas.openxmlformats.org/drawingml/2006/main" xmlns:r="http://schemas.openxmlformats.org/officeDocument/2006/relationships" xmlns:p="http://schemas.openxmlformats.org/presentationml/2006/main" showMasterSp="0" showMasterPhAnim="0">
   <p:cSld>
     <p:spTree>
       <p:nvGrpSpPr>
-        <p:cNvPr id="73" name="Shape 73"/>
+        <p:cNvPr id="1" name="Shape 73"/>
         <p:cNvGrpSpPr/>
         <p:nvPr/>
       </p:nvGrpSpPr>
@@ -591,9 +724,11 @@
       <p:sp>
         <p:nvSpPr>
           <p:cNvPr id="74" name="Shape 74"/>
-          <p:cNvSpPr/>
+          <p:cNvSpPr>
+            <a:spLocks noGrp="1" noRot="1" noChangeAspect="1"/>
+          </p:cNvSpPr>
           <p:nvPr>
-            <p:ph idx="2" type="sldImg"/>
+            <p:ph type="sldImg" idx="2"/>
           </p:nvPr>
         </p:nvSpPr>
         <p:spPr>
@@ -602,8 +737,13 @@
             <a:ext cx="4572299" cy="3429000"/>
           </a:xfrm>
           <a:custGeom>
+            <a:avLst/>
+            <a:gdLst/>
+            <a:ahLst/>
+            <a:cxnLst/>
+            <a:rect l="0" t="0" r="0" b="0"/>
             <a:pathLst>
-              <a:path extrusionOk="0" h="120000" w="120000">
+              <a:path w="120000" h="120000" extrusionOk="0">
                 <a:moveTo>
                   <a:pt x="0" y="0"/>
                 </a:moveTo>
@@ -625,9 +765,11 @@
       <p:sp>
         <p:nvSpPr>
           <p:cNvPr id="75" name="Shape 75"/>
-          <p:cNvSpPr txBox="1"/>
+          <p:cNvSpPr txBox="1">
+            <a:spLocks noGrp="1"/>
+          </p:cNvSpPr>
           <p:nvPr>
-            <p:ph idx="1" type="body"/>
+            <p:ph type="body" idx="1"/>
           </p:nvPr>
         </p:nvSpPr>
         <p:spPr>
@@ -640,7 +782,7 @@
           </a:prstGeom>
         </p:spPr>
         <p:txBody>
-          <a:bodyPr anchorCtr="0" anchor="t" bIns="91425" lIns="91425" rIns="91425" tIns="91425">
+          <a:bodyPr lIns="91425" tIns="91425" rIns="91425" bIns="91425" anchor="t" anchorCtr="0">
             <a:noAutofit/>
           </a:bodyPr>
           <a:lstStyle/>
@@ -652,7 +794,8 @@
               <a:buNone/>
             </a:pPr>
             <a:r>
-              <a:t/>
+              <a:rPr lang="en-US" smtClean="0"/>
+              <a:t>Isaiah Thacker</a:t>
             </a:r>
             <a:endParaRPr/>
           </a:p>
@@ -667,18 +810,19 @@
 </file>
 
 <file path=ppt/slideLayouts/slideLayout1.xml><?xml version="1.0" encoding="utf-8"?>
-<p:sldLayout xmlns:a="http://schemas.openxmlformats.org/drawingml/2006/main" xmlns:r="http://schemas.openxmlformats.org/officeDocument/2006/relationships" xmlns:mc="http://schemas.openxmlformats.org/markup-compatibility/2006" xmlns:mv="urn:schemas-microsoft-com:mac:vml" xmlns:p="http://schemas.openxmlformats.org/presentationml/2006/main" xmlns:c="http://schemas.openxmlformats.org/drawingml/2006/chart" xmlns:dgm="http://schemas.openxmlformats.org/drawingml/2006/diagram" xmlns:o="urn:schemas-microsoft-com:office:office" xmlns:v="urn:schemas-microsoft-com:vml" xmlns:pvml="urn:schemas-microsoft-com:office:powerpoint" xmlns:com="http://schemas.openxmlformats.org/drawingml/2006/compatibility" xmlns:p14="http://schemas.microsoft.com/office/powerpoint/2010/main" type="title">
+<p:sldLayout xmlns:a="http://schemas.openxmlformats.org/drawingml/2006/main" xmlns:r="http://schemas.openxmlformats.org/officeDocument/2006/relationships" xmlns:p="http://schemas.openxmlformats.org/presentationml/2006/main" type="title">
   <p:cSld name="Title slide">
     <p:bg>
       <p:bgPr>
         <a:solidFill>
           <a:schemeClr val="dk1"/>
         </a:solidFill>
+        <a:effectLst/>
       </p:bgPr>
     </p:bg>
     <p:spTree>
       <p:nvGrpSpPr>
-        <p:cNvPr id="9" name="Shape 9"/>
+        <p:cNvPr id="1" name="Shape 9"/>
         <p:cNvGrpSpPr/>
         <p:nvPr/>
       </p:nvGrpSpPr>
@@ -705,21 +849,23 @@
             <a:avLst/>
           </a:prstGeom>
           <a:noFill/>
-          <a:ln cap="flat" cmpd="sng" w="19050">
+          <a:ln w="19050" cap="flat" cmpd="sng">
             <a:solidFill>
               <a:schemeClr val="lt2"/>
             </a:solidFill>
             <a:prstDash val="solid"/>
             <a:round/>
-            <a:headEnd len="med" w="med" type="none"/>
-            <a:tailEnd len="med" w="med" type="none"/>
+            <a:headEnd type="none" w="med" len="med"/>
+            <a:tailEnd type="none" w="med" len="med"/>
           </a:ln>
         </p:spPr>
       </p:cxnSp>
       <p:sp>
         <p:nvSpPr>
           <p:cNvPr id="11" name="Shape 11"/>
-          <p:cNvSpPr txBox="1"/>
+          <p:cNvSpPr txBox="1">
+            <a:spLocks noGrp="1"/>
+          </p:cNvSpPr>
           <p:nvPr>
             <p:ph type="ctrTitle"/>
           </p:nvPr>
@@ -734,7 +880,7 @@
           </a:prstGeom>
         </p:spPr>
         <p:txBody>
-          <a:bodyPr anchorCtr="0" anchor="b" bIns="91425" lIns="91425" rIns="91425" tIns="91425"/>
+          <a:bodyPr lIns="91425" tIns="91425" rIns="91425" bIns="91425" anchor="b" anchorCtr="0"/>
           <a:lstStyle>
             <a:lvl1pPr lvl="0" rtl="0">
               <a:spcBef>
@@ -863,15 +1009,19 @@
               </a:defRPr>
             </a:lvl9pPr>
           </a:lstStyle>
-          <a:p/>
+          <a:p>
+            <a:endParaRPr/>
+          </a:p>
         </p:txBody>
       </p:sp>
       <p:sp>
         <p:nvSpPr>
           <p:cNvPr id="12" name="Shape 12"/>
-          <p:cNvSpPr txBox="1"/>
+          <p:cNvSpPr txBox="1">
+            <a:spLocks noGrp="1"/>
+          </p:cNvSpPr>
           <p:nvPr>
-            <p:ph idx="1" type="subTitle"/>
+            <p:ph type="subTitle" idx="1"/>
           </p:nvPr>
         </p:nvSpPr>
         <p:spPr>
@@ -884,7 +1034,7 @@
           </a:prstGeom>
         </p:spPr>
         <p:txBody>
-          <a:bodyPr anchorCtr="0" anchor="t" bIns="91425" lIns="91425" rIns="91425" tIns="91425"/>
+          <a:bodyPr lIns="91425" tIns="91425" rIns="91425" bIns="91425" anchor="t" anchorCtr="0"/>
           <a:lstStyle>
             <a:lvl1pPr lvl="0" rtl="0">
               <a:lnSpc>
@@ -1076,15 +1226,19 @@
               </a:defRPr>
             </a:lvl9pPr>
           </a:lstStyle>
-          <a:p/>
+          <a:p>
+            <a:endParaRPr/>
+          </a:p>
         </p:txBody>
       </p:sp>
       <p:sp>
         <p:nvSpPr>
           <p:cNvPr id="13" name="Shape 13"/>
-          <p:cNvSpPr txBox="1"/>
+          <p:cNvSpPr txBox="1">
+            <a:spLocks noGrp="1"/>
+          </p:cNvSpPr>
           <p:nvPr>
-            <p:ph idx="12" type="sldNum"/>
+            <p:ph type="sldNum" idx="12"/>
           </p:nvPr>
         </p:nvSpPr>
         <p:spPr>
@@ -1097,7 +1251,7 @@
           </a:prstGeom>
         </p:spPr>
         <p:txBody>
-          <a:bodyPr anchorCtr="0" anchor="ctr" bIns="91425" lIns="91425" rIns="91425" tIns="91425">
+          <a:bodyPr lIns="91425" tIns="91425" rIns="91425" bIns="91425" anchor="ctr" anchorCtr="0">
             <a:noAutofit/>
           </a:bodyPr>
           <a:lstStyle/>
@@ -1114,8 +1268,19 @@
                   <a:schemeClr val="lt1"/>
                 </a:solidFill>
               </a:rPr>
+              <a:pPr lvl="0" rtl="0">
+                <a:spcBef>
+                  <a:spcPts val="0"/>
+                </a:spcBef>
+                <a:buNone/>
+              </a:pPr>
               <a:t>‹#›</a:t>
             </a:fld>
+            <a:endParaRPr lang="en-US">
+              <a:solidFill>
+                <a:schemeClr val="lt1"/>
+              </a:solidFill>
+            </a:endParaRPr>
           </a:p>
         </p:txBody>
       </p:sp>
@@ -1128,11 +1293,11 @@
 </file>
 
 <file path=ppt/slideLayouts/slideLayout10.xml><?xml version="1.0" encoding="utf-8"?>
-<p:sldLayout xmlns:a="http://schemas.openxmlformats.org/drawingml/2006/main" xmlns:r="http://schemas.openxmlformats.org/officeDocument/2006/relationships" xmlns:mc="http://schemas.openxmlformats.org/markup-compatibility/2006" xmlns:mv="urn:schemas-microsoft-com:mac:vml" xmlns:p="http://schemas.openxmlformats.org/presentationml/2006/main" xmlns:c="http://schemas.openxmlformats.org/drawingml/2006/chart" xmlns:dgm="http://schemas.openxmlformats.org/drawingml/2006/diagram" xmlns:o="urn:schemas-microsoft-com:office:office" xmlns:v="urn:schemas-microsoft-com:vml" xmlns:pvml="urn:schemas-microsoft-com:office:powerpoint" xmlns:com="http://schemas.openxmlformats.org/drawingml/2006/compatibility" xmlns:p14="http://schemas.microsoft.com/office/powerpoint/2010/main">
+<p:sldLayout xmlns:a="http://schemas.openxmlformats.org/drawingml/2006/main" xmlns:r="http://schemas.openxmlformats.org/officeDocument/2006/relationships" xmlns:p="http://schemas.openxmlformats.org/presentationml/2006/main">
   <p:cSld name="Big number">
     <p:spTree>
       <p:nvGrpSpPr>
-        <p:cNvPr id="48" name="Shape 48"/>
+        <p:cNvPr id="1" name="Shape 48"/>
         <p:cNvGrpSpPr/>
         <p:nvPr/>
       </p:nvGrpSpPr>
@@ -1166,7 +1331,7 @@
           </a:ln>
         </p:spPr>
         <p:txBody>
-          <a:bodyPr anchorCtr="0" anchor="ctr" bIns="91425" lIns="91425" rIns="91425" tIns="91425">
+          <a:bodyPr lIns="91425" tIns="91425" rIns="91425" bIns="91425" anchor="ctr" anchorCtr="0">
             <a:noAutofit/>
           </a:bodyPr>
           <a:lstStyle/>
@@ -1177,9 +1342,6 @@
               </a:spcBef>
               <a:buNone/>
             </a:pPr>
-            <a:r>
-              <a:t/>
-            </a:r>
             <a:endParaRPr/>
           </a:p>
         </p:txBody>
@@ -1187,7 +1349,9 @@
       <p:sp>
         <p:nvSpPr>
           <p:cNvPr id="50" name="Shape 50"/>
-          <p:cNvSpPr txBox="1"/>
+          <p:cNvSpPr txBox="1">
+            <a:spLocks noGrp="1"/>
+          </p:cNvSpPr>
           <p:nvPr>
             <p:ph type="title"/>
           </p:nvPr>
@@ -1202,81 +1366,85 @@
           </a:prstGeom>
         </p:spPr>
         <p:txBody>
-          <a:bodyPr anchorCtr="0" anchor="ctr" bIns="91425" lIns="91425" rIns="91425" tIns="91425"/>
+          <a:bodyPr lIns="91425" tIns="91425" rIns="91425" bIns="91425" anchor="ctr" anchorCtr="0"/>
           <a:lstStyle>
-            <a:lvl1pPr lvl="0" rtl="0" algn="ctr">
-              <a:spcBef>
-                <a:spcPts val="0"/>
-              </a:spcBef>
-              <a:buSzPct val="100000"/>
-              <a:defRPr b="1" sz="14000"/>
+            <a:lvl1pPr lvl="0" algn="ctr" rtl="0">
+              <a:spcBef>
+                <a:spcPts val="0"/>
+              </a:spcBef>
+              <a:buSzPct val="100000"/>
+              <a:defRPr sz="14000" b="1"/>
             </a:lvl1pPr>
-            <a:lvl2pPr lvl="1" rtl="0" algn="ctr">
-              <a:spcBef>
-                <a:spcPts val="0"/>
-              </a:spcBef>
-              <a:buSzPct val="100000"/>
-              <a:defRPr b="1" sz="14000"/>
+            <a:lvl2pPr lvl="1" algn="ctr" rtl="0">
+              <a:spcBef>
+                <a:spcPts val="0"/>
+              </a:spcBef>
+              <a:buSzPct val="100000"/>
+              <a:defRPr sz="14000" b="1"/>
             </a:lvl2pPr>
-            <a:lvl3pPr lvl="2" rtl="0" algn="ctr">
-              <a:spcBef>
-                <a:spcPts val="0"/>
-              </a:spcBef>
-              <a:buSzPct val="100000"/>
-              <a:defRPr b="1" sz="14000"/>
+            <a:lvl3pPr lvl="2" algn="ctr" rtl="0">
+              <a:spcBef>
+                <a:spcPts val="0"/>
+              </a:spcBef>
+              <a:buSzPct val="100000"/>
+              <a:defRPr sz="14000" b="1"/>
             </a:lvl3pPr>
-            <a:lvl4pPr lvl="3" rtl="0" algn="ctr">
-              <a:spcBef>
-                <a:spcPts val="0"/>
-              </a:spcBef>
-              <a:buSzPct val="100000"/>
-              <a:defRPr b="1" sz="14000"/>
+            <a:lvl4pPr lvl="3" algn="ctr" rtl="0">
+              <a:spcBef>
+                <a:spcPts val="0"/>
+              </a:spcBef>
+              <a:buSzPct val="100000"/>
+              <a:defRPr sz="14000" b="1"/>
             </a:lvl4pPr>
-            <a:lvl5pPr lvl="4" rtl="0" algn="ctr">
-              <a:spcBef>
-                <a:spcPts val="0"/>
-              </a:spcBef>
-              <a:buSzPct val="100000"/>
-              <a:defRPr b="1" sz="14000"/>
+            <a:lvl5pPr lvl="4" algn="ctr" rtl="0">
+              <a:spcBef>
+                <a:spcPts val="0"/>
+              </a:spcBef>
+              <a:buSzPct val="100000"/>
+              <a:defRPr sz="14000" b="1"/>
             </a:lvl5pPr>
-            <a:lvl6pPr lvl="5" rtl="0" algn="ctr">
-              <a:spcBef>
-                <a:spcPts val="0"/>
-              </a:spcBef>
-              <a:buSzPct val="100000"/>
-              <a:defRPr b="1" sz="14000"/>
+            <a:lvl6pPr lvl="5" algn="ctr" rtl="0">
+              <a:spcBef>
+                <a:spcPts val="0"/>
+              </a:spcBef>
+              <a:buSzPct val="100000"/>
+              <a:defRPr sz="14000" b="1"/>
             </a:lvl6pPr>
-            <a:lvl7pPr lvl="6" rtl="0" algn="ctr">
-              <a:spcBef>
-                <a:spcPts val="0"/>
-              </a:spcBef>
-              <a:buSzPct val="100000"/>
-              <a:defRPr b="1" sz="14000"/>
+            <a:lvl7pPr lvl="6" algn="ctr" rtl="0">
+              <a:spcBef>
+                <a:spcPts val="0"/>
+              </a:spcBef>
+              <a:buSzPct val="100000"/>
+              <a:defRPr sz="14000" b="1"/>
             </a:lvl7pPr>
-            <a:lvl8pPr lvl="7" rtl="0" algn="ctr">
-              <a:spcBef>
-                <a:spcPts val="0"/>
-              </a:spcBef>
-              <a:buSzPct val="100000"/>
-              <a:defRPr b="1" sz="14000"/>
+            <a:lvl8pPr lvl="7" algn="ctr" rtl="0">
+              <a:spcBef>
+                <a:spcPts val="0"/>
+              </a:spcBef>
+              <a:buSzPct val="100000"/>
+              <a:defRPr sz="14000" b="1"/>
             </a:lvl8pPr>
-            <a:lvl9pPr lvl="8" rtl="0" algn="ctr">
-              <a:spcBef>
-                <a:spcPts val="0"/>
-              </a:spcBef>
-              <a:buSzPct val="100000"/>
-              <a:defRPr b="1" sz="14000"/>
+            <a:lvl9pPr lvl="8" algn="ctr" rtl="0">
+              <a:spcBef>
+                <a:spcPts val="0"/>
+              </a:spcBef>
+              <a:buSzPct val="100000"/>
+              <a:defRPr sz="14000" b="1"/>
             </a:lvl9pPr>
           </a:lstStyle>
-          <a:p/>
+          <a:p>
+            <a:endParaRPr/>
+          </a:p>
         </p:txBody>
       </p:sp>
       <p:sp>
         <p:nvSpPr>
           <p:cNvPr id="51" name="Shape 51"/>
-          <p:cNvSpPr txBox="1"/>
+          <p:cNvSpPr txBox="1">
+            <a:spLocks noGrp="1"/>
+          </p:cNvSpPr>
           <p:nvPr>
-            <p:ph idx="1" type="body"/>
+            <p:ph type="body" idx="1"/>
           </p:nvPr>
         </p:nvSpPr>
         <p:spPr>
@@ -1289,72 +1457,76 @@
           </a:prstGeom>
         </p:spPr>
         <p:txBody>
-          <a:bodyPr anchorCtr="0" anchor="t" bIns="91425" lIns="91425" rIns="91425" tIns="91425"/>
+          <a:bodyPr lIns="91425" tIns="91425" rIns="91425" bIns="91425" anchor="t" anchorCtr="0"/>
           <a:lstStyle>
-            <a:lvl1pPr lvl="0" rtl="0" algn="ctr">
+            <a:lvl1pPr lvl="0" algn="ctr" rtl="0">
               <a:spcBef>
                 <a:spcPts val="0"/>
               </a:spcBef>
               <a:defRPr/>
             </a:lvl1pPr>
-            <a:lvl2pPr lvl="1" rtl="0" algn="ctr">
+            <a:lvl2pPr lvl="1" algn="ctr" rtl="0">
               <a:spcBef>
                 <a:spcPts val="0"/>
               </a:spcBef>
               <a:defRPr/>
             </a:lvl2pPr>
-            <a:lvl3pPr lvl="2" rtl="0" algn="ctr">
+            <a:lvl3pPr lvl="2" algn="ctr" rtl="0">
               <a:spcBef>
                 <a:spcPts val="0"/>
               </a:spcBef>
               <a:defRPr/>
             </a:lvl3pPr>
-            <a:lvl4pPr lvl="3" rtl="0" algn="ctr">
+            <a:lvl4pPr lvl="3" algn="ctr" rtl="0">
               <a:spcBef>
                 <a:spcPts val="0"/>
               </a:spcBef>
               <a:defRPr/>
             </a:lvl4pPr>
-            <a:lvl5pPr lvl="4" rtl="0" algn="ctr">
+            <a:lvl5pPr lvl="4" algn="ctr" rtl="0">
               <a:spcBef>
                 <a:spcPts val="0"/>
               </a:spcBef>
               <a:defRPr/>
             </a:lvl5pPr>
-            <a:lvl6pPr lvl="5" rtl="0" algn="ctr">
+            <a:lvl6pPr lvl="5" algn="ctr" rtl="0">
               <a:spcBef>
                 <a:spcPts val="0"/>
               </a:spcBef>
               <a:defRPr/>
             </a:lvl6pPr>
-            <a:lvl7pPr lvl="6" rtl="0" algn="ctr">
+            <a:lvl7pPr lvl="6" algn="ctr" rtl="0">
               <a:spcBef>
                 <a:spcPts val="0"/>
               </a:spcBef>
               <a:defRPr/>
             </a:lvl7pPr>
-            <a:lvl8pPr lvl="7" rtl="0" algn="ctr">
+            <a:lvl8pPr lvl="7" algn="ctr" rtl="0">
               <a:spcBef>
                 <a:spcPts val="0"/>
               </a:spcBef>
               <a:defRPr/>
             </a:lvl8pPr>
-            <a:lvl9pPr lvl="8" rtl="0" algn="ctr">
+            <a:lvl9pPr lvl="8" algn="ctr" rtl="0">
               <a:spcBef>
                 <a:spcPts val="0"/>
               </a:spcBef>
               <a:defRPr/>
             </a:lvl9pPr>
           </a:lstStyle>
-          <a:p/>
+          <a:p>
+            <a:endParaRPr/>
+          </a:p>
         </p:txBody>
       </p:sp>
       <p:sp>
         <p:nvSpPr>
           <p:cNvPr id="52" name="Shape 52"/>
-          <p:cNvSpPr txBox="1"/>
+          <p:cNvSpPr txBox="1">
+            <a:spLocks noGrp="1"/>
+          </p:cNvSpPr>
           <p:nvPr>
-            <p:ph idx="12" type="sldNum"/>
+            <p:ph type="sldNum" idx="12"/>
           </p:nvPr>
         </p:nvSpPr>
         <p:spPr>
@@ -1367,7 +1539,7 @@
           </a:prstGeom>
         </p:spPr>
         <p:txBody>
-          <a:bodyPr anchorCtr="0" anchor="ctr" bIns="91425" lIns="91425" rIns="91425" tIns="91425">
+          <a:bodyPr lIns="91425" tIns="91425" rIns="91425" bIns="91425" anchor="ctr" anchorCtr="0">
             <a:noAutofit/>
           </a:bodyPr>
           <a:lstStyle/>
@@ -1380,8 +1552,15 @@
             </a:pPr>
             <a:fld id="{00000000-1234-1234-1234-123412341234}" type="slidenum">
               <a:rPr lang="en-US"/>
+              <a:pPr lvl="0" rtl="0">
+                <a:spcBef>
+                  <a:spcPts val="0"/>
+                </a:spcBef>
+                <a:buNone/>
+              </a:pPr>
               <a:t>‹#›</a:t>
             </a:fld>
+            <a:endParaRPr lang="en-US"/>
           </a:p>
         </p:txBody>
       </p:sp>
@@ -1394,11 +1573,11 @@
 </file>
 
 <file path=ppt/slideLayouts/slideLayout11.xml><?xml version="1.0" encoding="utf-8"?>
-<p:sldLayout xmlns:a="http://schemas.openxmlformats.org/drawingml/2006/main" xmlns:r="http://schemas.openxmlformats.org/officeDocument/2006/relationships" xmlns:mc="http://schemas.openxmlformats.org/markup-compatibility/2006" xmlns:mv="urn:schemas-microsoft-com:mac:vml" xmlns:p="http://schemas.openxmlformats.org/presentationml/2006/main" xmlns:c="http://schemas.openxmlformats.org/drawingml/2006/chart" xmlns:dgm="http://schemas.openxmlformats.org/drawingml/2006/diagram" xmlns:o="urn:schemas-microsoft-com:office:office" xmlns:v="urn:schemas-microsoft-com:vml" xmlns:pvml="urn:schemas-microsoft-com:office:powerpoint" xmlns:com="http://schemas.openxmlformats.org/drawingml/2006/compatibility" xmlns:p14="http://schemas.microsoft.com/office/powerpoint/2010/main" type="blank">
+<p:sldLayout xmlns:a="http://schemas.openxmlformats.org/drawingml/2006/main" xmlns:r="http://schemas.openxmlformats.org/officeDocument/2006/relationships" xmlns:p="http://schemas.openxmlformats.org/presentationml/2006/main" type="blank">
   <p:cSld name="Blank">
     <p:spTree>
       <p:nvGrpSpPr>
-        <p:cNvPr id="53" name="Shape 53"/>
+        <p:cNvPr id="1" name="Shape 53"/>
         <p:cNvGrpSpPr/>
         <p:nvPr/>
       </p:nvGrpSpPr>
@@ -1413,9 +1592,11 @@
       <p:sp>
         <p:nvSpPr>
           <p:cNvPr id="54" name="Shape 54"/>
-          <p:cNvSpPr txBox="1"/>
+          <p:cNvSpPr txBox="1">
+            <a:spLocks noGrp="1"/>
+          </p:cNvSpPr>
           <p:nvPr>
-            <p:ph idx="12" type="sldNum"/>
+            <p:ph type="sldNum" idx="12"/>
           </p:nvPr>
         </p:nvSpPr>
         <p:spPr>
@@ -1428,7 +1609,7 @@
           </a:prstGeom>
         </p:spPr>
         <p:txBody>
-          <a:bodyPr anchorCtr="0" anchor="ctr" bIns="91425" lIns="91425" rIns="91425" tIns="91425">
+          <a:bodyPr lIns="91425" tIns="91425" rIns="91425" bIns="91425" anchor="ctr" anchorCtr="0">
             <a:noAutofit/>
           </a:bodyPr>
           <a:lstStyle/>
@@ -1441,8 +1622,15 @@
             </a:pPr>
             <a:fld id="{00000000-1234-1234-1234-123412341234}" type="slidenum">
               <a:rPr lang="en-US"/>
+              <a:pPr lvl="0" rtl="0">
+                <a:spcBef>
+                  <a:spcPts val="0"/>
+                </a:spcBef>
+                <a:buNone/>
+              </a:pPr>
               <a:t>‹#›</a:t>
             </a:fld>
+            <a:endParaRPr lang="en-US"/>
           </a:p>
         </p:txBody>
       </p:sp>
@@ -1455,11 +1643,11 @@
 </file>
 
 <file path=ppt/slideLayouts/slideLayout12.xml><?xml version="1.0" encoding="utf-8"?>
-<p:sldLayout xmlns:a="http://schemas.openxmlformats.org/drawingml/2006/main" xmlns:r="http://schemas.openxmlformats.org/officeDocument/2006/relationships" xmlns:mc="http://schemas.openxmlformats.org/markup-compatibility/2006" xmlns:mv="urn:schemas-microsoft-com:mac:vml" xmlns:p="http://schemas.openxmlformats.org/presentationml/2006/main" xmlns:c="http://schemas.openxmlformats.org/drawingml/2006/chart" xmlns:dgm="http://schemas.openxmlformats.org/drawingml/2006/diagram" xmlns:o="urn:schemas-microsoft-com:office:office" xmlns:v="urn:schemas-microsoft-com:vml" xmlns:pvml="urn:schemas-microsoft-com:office:powerpoint" xmlns:com="http://schemas.openxmlformats.org/drawingml/2006/compatibility" xmlns:p14="http://schemas.microsoft.com/office/powerpoint/2010/main" type="obj">
+<p:sldLayout xmlns:a="http://schemas.openxmlformats.org/drawingml/2006/main" xmlns:r="http://schemas.openxmlformats.org/officeDocument/2006/relationships" xmlns:p="http://schemas.openxmlformats.org/presentationml/2006/main" type="obj">
   <p:cSld name="Title and Content">
     <p:spTree>
       <p:nvGrpSpPr>
-        <p:cNvPr id="55" name="Shape 55"/>
+        <p:cNvPr id="1" name="Shape 55"/>
         <p:cNvGrpSpPr/>
         <p:nvPr/>
       </p:nvGrpSpPr>
@@ -1474,7 +1662,9 @@
       <p:sp>
         <p:nvSpPr>
           <p:cNvPr id="56" name="Shape 56"/>
-          <p:cNvSpPr txBox="1"/>
+          <p:cNvSpPr txBox="1">
+            <a:spLocks noGrp="1"/>
+          </p:cNvSpPr>
           <p:nvPr>
             <p:ph type="title"/>
           </p:nvPr>
@@ -1493,9 +1683,9 @@
           </a:ln>
         </p:spPr>
         <p:txBody>
-          <a:bodyPr anchorCtr="0" anchor="ctr" bIns="91425" lIns="91425" rIns="91425" tIns="91425"/>
+          <a:bodyPr lIns="91425" tIns="91425" rIns="91425" bIns="91425" anchor="ctr" anchorCtr="0"/>
           <a:lstStyle>
-            <a:lvl1pPr indent="0" lvl="0" marL="0" marR="0" rtl="0" algn="ctr">
+            <a:lvl1pPr marL="0" marR="0" lvl="0" indent="0" algn="ctr" rtl="0">
               <a:spcBef>
                 <a:spcPts val="0"/>
               </a:spcBef>
@@ -1504,7 +1694,7 @@
               </a:buClr>
               <a:buFont typeface="Calibri"/>
               <a:buNone/>
-              <a:defRPr b="0" i="0" sz="4400" u="none" cap="none" strike="noStrike">
+              <a:defRPr sz="4400" b="0" i="0" u="none" strike="noStrike" cap="none">
                 <a:solidFill>
                   <a:schemeClr val="dk1"/>
                 </a:solidFill>
@@ -1514,56 +1704,56 @@
                 <a:sym typeface="Calibri"/>
               </a:defRPr>
             </a:lvl1pPr>
-            <a:lvl2pPr indent="0" lvl="1" rtl="0">
+            <a:lvl2pPr lvl="1" indent="0" rtl="0">
               <a:spcBef>
                 <a:spcPts val="0"/>
               </a:spcBef>
               <a:buNone/>
               <a:defRPr sz="1800"/>
             </a:lvl2pPr>
-            <a:lvl3pPr indent="0" lvl="2" rtl="0">
+            <a:lvl3pPr lvl="2" indent="0" rtl="0">
               <a:spcBef>
                 <a:spcPts val="0"/>
               </a:spcBef>
               <a:buNone/>
               <a:defRPr sz="1800"/>
             </a:lvl3pPr>
-            <a:lvl4pPr indent="0" lvl="3" rtl="0">
+            <a:lvl4pPr lvl="3" indent="0" rtl="0">
               <a:spcBef>
                 <a:spcPts val="0"/>
               </a:spcBef>
               <a:buNone/>
               <a:defRPr sz="1800"/>
             </a:lvl4pPr>
-            <a:lvl5pPr indent="0" lvl="4" rtl="0">
+            <a:lvl5pPr lvl="4" indent="0" rtl="0">
               <a:spcBef>
                 <a:spcPts val="0"/>
               </a:spcBef>
               <a:buNone/>
               <a:defRPr sz="1800"/>
             </a:lvl5pPr>
-            <a:lvl6pPr indent="0" lvl="5" rtl="0">
+            <a:lvl6pPr lvl="5" indent="0" rtl="0">
               <a:spcBef>
                 <a:spcPts val="0"/>
               </a:spcBef>
               <a:buNone/>
               <a:defRPr sz="1800"/>
             </a:lvl6pPr>
-            <a:lvl7pPr indent="0" lvl="6" rtl="0">
+            <a:lvl7pPr lvl="6" indent="0" rtl="0">
               <a:spcBef>
                 <a:spcPts val="0"/>
               </a:spcBef>
               <a:buNone/>
               <a:defRPr sz="1800"/>
             </a:lvl7pPr>
-            <a:lvl8pPr indent="0" lvl="7" rtl="0">
+            <a:lvl8pPr lvl="7" indent="0" rtl="0">
               <a:spcBef>
                 <a:spcPts val="0"/>
               </a:spcBef>
               <a:buNone/>
               <a:defRPr sz="1800"/>
             </a:lvl8pPr>
-            <a:lvl9pPr indent="0" lvl="8" rtl="0">
+            <a:lvl9pPr lvl="8" indent="0" rtl="0">
               <a:spcBef>
                 <a:spcPts val="0"/>
               </a:spcBef>
@@ -1571,15 +1761,19 @@
               <a:defRPr sz="1800"/>
             </a:lvl9pPr>
           </a:lstStyle>
-          <a:p/>
+          <a:p>
+            <a:endParaRPr/>
+          </a:p>
         </p:txBody>
       </p:sp>
       <p:sp>
         <p:nvSpPr>
           <p:cNvPr id="57" name="Shape 57"/>
-          <p:cNvSpPr txBox="1"/>
+          <p:cNvSpPr txBox="1">
+            <a:spLocks noGrp="1"/>
+          </p:cNvSpPr>
           <p:nvPr>
-            <p:ph idx="1" type="body"/>
+            <p:ph type="body" idx="1"/>
           </p:nvPr>
         </p:nvSpPr>
         <p:spPr>
@@ -1596,9 +1790,9 @@
           </a:ln>
         </p:spPr>
         <p:txBody>
-          <a:bodyPr anchorCtr="0" anchor="t" bIns="91425" lIns="91425" rIns="91425" tIns="91425"/>
+          <a:bodyPr lIns="91425" tIns="91425" rIns="91425" bIns="91425" anchor="t" anchorCtr="0"/>
           <a:lstStyle>
-            <a:lvl1pPr indent="-139700" lvl="0" marL="342900" marR="0" rtl="0" algn="l">
+            <a:lvl1pPr marL="342900" marR="0" lvl="0" indent="-139700" algn="l" rtl="0">
               <a:spcBef>
                 <a:spcPts val="640"/>
               </a:spcBef>
@@ -1608,7 +1802,7 @@
               <a:buSzPct val="100000"/>
               <a:buFont typeface="Arial"/>
               <a:buChar char="•"/>
-              <a:defRPr b="0" i="0" sz="3200" u="none" cap="none" strike="noStrike">
+              <a:defRPr sz="3200" b="0" i="0" u="none" strike="noStrike" cap="none">
                 <a:solidFill>
                   <a:schemeClr val="dk1"/>
                 </a:solidFill>
@@ -1618,7 +1812,7 @@
                 <a:sym typeface="Calibri"/>
               </a:defRPr>
             </a:lvl1pPr>
-            <a:lvl2pPr indent="-107950" lvl="1" marL="742950" marR="0" rtl="0" algn="l">
+            <a:lvl2pPr marL="742950" marR="0" lvl="1" indent="-107950" algn="l" rtl="0">
               <a:spcBef>
                 <a:spcPts val="560"/>
               </a:spcBef>
@@ -1628,7 +1822,7 @@
               <a:buSzPct val="100000"/>
               <a:buFont typeface="Arial"/>
               <a:buChar char="–"/>
-              <a:defRPr b="0" i="0" sz="2800" u="none" cap="none" strike="noStrike">
+              <a:defRPr sz="2800" b="0" i="0" u="none" strike="noStrike" cap="none">
                 <a:solidFill>
                   <a:schemeClr val="dk1"/>
                 </a:solidFill>
@@ -1638,7 +1832,7 @@
                 <a:sym typeface="Calibri"/>
               </a:defRPr>
             </a:lvl2pPr>
-            <a:lvl3pPr indent="-76200" lvl="2" marL="1143000" marR="0" rtl="0" algn="l">
+            <a:lvl3pPr marL="1143000" marR="0" lvl="2" indent="-76200" algn="l" rtl="0">
               <a:spcBef>
                 <a:spcPts val="480"/>
               </a:spcBef>
@@ -1648,7 +1842,7 @@
               <a:buSzPct val="100000"/>
               <a:buFont typeface="Arial"/>
               <a:buChar char="•"/>
-              <a:defRPr b="0" i="0" sz="2400" u="none" cap="none" strike="noStrike">
+              <a:defRPr sz="2400" b="0" i="0" u="none" strike="noStrike" cap="none">
                 <a:solidFill>
                   <a:schemeClr val="dk1"/>
                 </a:solidFill>
@@ -1658,7 +1852,7 @@
                 <a:sym typeface="Calibri"/>
               </a:defRPr>
             </a:lvl3pPr>
-            <a:lvl4pPr indent="-101600" lvl="3" marL="1600200" marR="0" rtl="0" algn="l">
+            <a:lvl4pPr marL="1600200" marR="0" lvl="3" indent="-101600" algn="l" rtl="0">
               <a:spcBef>
                 <a:spcPts val="400"/>
               </a:spcBef>
@@ -1668,7 +1862,7 @@
               <a:buSzPct val="100000"/>
               <a:buFont typeface="Arial"/>
               <a:buChar char="–"/>
-              <a:defRPr b="0" i="0" sz="2000" u="none" cap="none" strike="noStrike">
+              <a:defRPr sz="2000" b="0" i="0" u="none" strike="noStrike" cap="none">
                 <a:solidFill>
                   <a:schemeClr val="dk1"/>
                 </a:solidFill>
@@ -1678,7 +1872,7 @@
                 <a:sym typeface="Calibri"/>
               </a:defRPr>
             </a:lvl4pPr>
-            <a:lvl5pPr indent="-101600" lvl="4" marL="2057400" marR="0" rtl="0" algn="l">
+            <a:lvl5pPr marL="2057400" marR="0" lvl="4" indent="-101600" algn="l" rtl="0">
               <a:spcBef>
                 <a:spcPts val="400"/>
               </a:spcBef>
@@ -1688,7 +1882,7 @@
               <a:buSzPct val="100000"/>
               <a:buFont typeface="Arial"/>
               <a:buChar char="»"/>
-              <a:defRPr b="0" i="0" sz="2000" u="none" cap="none" strike="noStrike">
+              <a:defRPr sz="2000" b="0" i="0" u="none" strike="noStrike" cap="none">
                 <a:solidFill>
                   <a:schemeClr val="dk1"/>
                 </a:solidFill>
@@ -1698,7 +1892,7 @@
                 <a:sym typeface="Calibri"/>
               </a:defRPr>
             </a:lvl5pPr>
-            <a:lvl6pPr indent="-101600" lvl="5" marL="2514600" marR="0" rtl="0" algn="l">
+            <a:lvl6pPr marL="2514600" marR="0" lvl="5" indent="-101600" algn="l" rtl="0">
               <a:spcBef>
                 <a:spcPts val="400"/>
               </a:spcBef>
@@ -1708,7 +1902,7 @@
               <a:buSzPct val="100000"/>
               <a:buFont typeface="Arial"/>
               <a:buChar char="•"/>
-              <a:defRPr b="0" i="0" sz="2000" u="none" cap="none" strike="noStrike">
+              <a:defRPr sz="2000" b="0" i="0" u="none" strike="noStrike" cap="none">
                 <a:solidFill>
                   <a:schemeClr val="dk1"/>
                 </a:solidFill>
@@ -1718,7 +1912,7 @@
                 <a:sym typeface="Calibri"/>
               </a:defRPr>
             </a:lvl6pPr>
-            <a:lvl7pPr indent="-101600" lvl="6" marL="2971800" marR="0" rtl="0" algn="l">
+            <a:lvl7pPr marL="2971800" marR="0" lvl="6" indent="-101600" algn="l" rtl="0">
               <a:spcBef>
                 <a:spcPts val="400"/>
               </a:spcBef>
@@ -1728,7 +1922,7 @@
               <a:buSzPct val="100000"/>
               <a:buFont typeface="Arial"/>
               <a:buChar char="•"/>
-              <a:defRPr b="0" i="0" sz="2000" u="none" cap="none" strike="noStrike">
+              <a:defRPr sz="2000" b="0" i="0" u="none" strike="noStrike" cap="none">
                 <a:solidFill>
                   <a:schemeClr val="dk1"/>
                 </a:solidFill>
@@ -1738,7 +1932,7 @@
                 <a:sym typeface="Calibri"/>
               </a:defRPr>
             </a:lvl7pPr>
-            <a:lvl8pPr indent="-101600" lvl="7" marL="3429000" marR="0" rtl="0" algn="l">
+            <a:lvl8pPr marL="3429000" marR="0" lvl="7" indent="-101600" algn="l" rtl="0">
               <a:spcBef>
                 <a:spcPts val="400"/>
               </a:spcBef>
@@ -1748,7 +1942,7 @@
               <a:buSzPct val="100000"/>
               <a:buFont typeface="Arial"/>
               <a:buChar char="•"/>
-              <a:defRPr b="0" i="0" sz="2000" u="none" cap="none" strike="noStrike">
+              <a:defRPr sz="2000" b="0" i="0" u="none" strike="noStrike" cap="none">
                 <a:solidFill>
                   <a:schemeClr val="dk1"/>
                 </a:solidFill>
@@ -1758,7 +1952,7 @@
                 <a:sym typeface="Calibri"/>
               </a:defRPr>
             </a:lvl8pPr>
-            <a:lvl9pPr indent="-101600" lvl="8" marL="3886200" marR="0" rtl="0" algn="l">
+            <a:lvl9pPr marL="3886200" marR="0" lvl="8" indent="-101600" algn="l" rtl="0">
               <a:spcBef>
                 <a:spcPts val="400"/>
               </a:spcBef>
@@ -1768,7 +1962,7 @@
               <a:buSzPct val="100000"/>
               <a:buFont typeface="Arial"/>
               <a:buChar char="•"/>
-              <a:defRPr b="0" i="0" sz="2000" u="none" cap="none" strike="noStrike">
+              <a:defRPr sz="2000" b="0" i="0" u="none" strike="noStrike" cap="none">
                 <a:solidFill>
                   <a:schemeClr val="dk1"/>
                 </a:solidFill>
@@ -1779,15 +1973,19 @@
               </a:defRPr>
             </a:lvl9pPr>
           </a:lstStyle>
-          <a:p/>
+          <a:p>
+            <a:endParaRPr/>
+          </a:p>
         </p:txBody>
       </p:sp>
       <p:sp>
         <p:nvSpPr>
           <p:cNvPr id="58" name="Shape 58"/>
-          <p:cNvSpPr txBox="1"/>
+          <p:cNvSpPr txBox="1">
+            <a:spLocks noGrp="1"/>
+          </p:cNvSpPr>
           <p:nvPr>
-            <p:ph idx="10" type="dt"/>
+            <p:ph type="dt" idx="10"/>
           </p:nvPr>
         </p:nvSpPr>
         <p:spPr>
@@ -1804,14 +2002,14 @@
           </a:ln>
         </p:spPr>
         <p:txBody>
-          <a:bodyPr anchorCtr="0" anchor="ctr" bIns="91425" lIns="91425" rIns="91425" tIns="91425"/>
+          <a:bodyPr lIns="91425" tIns="91425" rIns="91425" bIns="91425" anchor="ctr" anchorCtr="0"/>
           <a:lstStyle>
-            <a:lvl1pPr indent="0" lvl="0" marL="0" marR="0" rtl="0" algn="l">
-              <a:spcBef>
-                <a:spcPts val="0"/>
-              </a:spcBef>
-              <a:buNone/>
-              <a:defRPr b="0" i="0" sz="1200" u="none" cap="none" strike="noStrike">
+            <a:lvl1pPr marL="0" marR="0" lvl="0" indent="0" algn="l" rtl="0">
+              <a:spcBef>
+                <a:spcPts val="0"/>
+              </a:spcBef>
+              <a:buNone/>
+              <a:defRPr sz="1200" b="0" i="0" u="none" strike="noStrike" cap="none">
                 <a:solidFill>
                   <a:srgbClr val="888888"/>
                 </a:solidFill>
@@ -1821,12 +2019,12 @@
                 <a:sym typeface="Calibri"/>
               </a:defRPr>
             </a:lvl1pPr>
-            <a:lvl2pPr indent="0" lvl="1" marL="457200" marR="0" rtl="0" algn="l">
-              <a:spcBef>
-                <a:spcPts val="0"/>
-              </a:spcBef>
-              <a:buNone/>
-              <a:defRPr b="0" i="0" sz="1800" u="none" cap="none" strike="noStrike">
+            <a:lvl2pPr marL="457200" marR="0" lvl="1" indent="0" algn="l" rtl="0">
+              <a:spcBef>
+                <a:spcPts val="0"/>
+              </a:spcBef>
+              <a:buNone/>
+              <a:defRPr sz="1800" b="0" i="0" u="none" strike="noStrike" cap="none">
                 <a:solidFill>
                   <a:schemeClr val="dk1"/>
                 </a:solidFill>
@@ -1836,12 +2034,12 @@
                 <a:sym typeface="Calibri"/>
               </a:defRPr>
             </a:lvl2pPr>
-            <a:lvl3pPr indent="0" lvl="2" marL="914400" marR="0" rtl="0" algn="l">
-              <a:spcBef>
-                <a:spcPts val="0"/>
-              </a:spcBef>
-              <a:buNone/>
-              <a:defRPr b="0" i="0" sz="1800" u="none" cap="none" strike="noStrike">
+            <a:lvl3pPr marL="914400" marR="0" lvl="2" indent="0" algn="l" rtl="0">
+              <a:spcBef>
+                <a:spcPts val="0"/>
+              </a:spcBef>
+              <a:buNone/>
+              <a:defRPr sz="1800" b="0" i="0" u="none" strike="noStrike" cap="none">
                 <a:solidFill>
                   <a:schemeClr val="dk1"/>
                 </a:solidFill>
@@ -1851,12 +2049,12 @@
                 <a:sym typeface="Calibri"/>
               </a:defRPr>
             </a:lvl3pPr>
-            <a:lvl4pPr indent="0" lvl="3" marL="1371600" marR="0" rtl="0" algn="l">
-              <a:spcBef>
-                <a:spcPts val="0"/>
-              </a:spcBef>
-              <a:buNone/>
-              <a:defRPr b="0" i="0" sz="1800" u="none" cap="none" strike="noStrike">
+            <a:lvl4pPr marL="1371600" marR="0" lvl="3" indent="0" algn="l" rtl="0">
+              <a:spcBef>
+                <a:spcPts val="0"/>
+              </a:spcBef>
+              <a:buNone/>
+              <a:defRPr sz="1800" b="0" i="0" u="none" strike="noStrike" cap="none">
                 <a:solidFill>
                   <a:schemeClr val="dk1"/>
                 </a:solidFill>
@@ -1866,12 +2064,12 @@
                 <a:sym typeface="Calibri"/>
               </a:defRPr>
             </a:lvl4pPr>
-            <a:lvl5pPr indent="0" lvl="4" marL="1828800" marR="0" rtl="0" algn="l">
-              <a:spcBef>
-                <a:spcPts val="0"/>
-              </a:spcBef>
-              <a:buNone/>
-              <a:defRPr b="0" i="0" sz="1800" u="none" cap="none" strike="noStrike">
+            <a:lvl5pPr marL="1828800" marR="0" lvl="4" indent="0" algn="l" rtl="0">
+              <a:spcBef>
+                <a:spcPts val="0"/>
+              </a:spcBef>
+              <a:buNone/>
+              <a:defRPr sz="1800" b="0" i="0" u="none" strike="noStrike" cap="none">
                 <a:solidFill>
                   <a:schemeClr val="dk1"/>
                 </a:solidFill>
@@ -1881,12 +2079,12 @@
                 <a:sym typeface="Calibri"/>
               </a:defRPr>
             </a:lvl5pPr>
-            <a:lvl6pPr indent="0" lvl="5" marL="2286000" marR="0" rtl="0" algn="l">
-              <a:spcBef>
-                <a:spcPts val="0"/>
-              </a:spcBef>
-              <a:buNone/>
-              <a:defRPr b="0" i="0" sz="1800" u="none" cap="none" strike="noStrike">
+            <a:lvl6pPr marL="2286000" marR="0" lvl="5" indent="0" algn="l" rtl="0">
+              <a:spcBef>
+                <a:spcPts val="0"/>
+              </a:spcBef>
+              <a:buNone/>
+              <a:defRPr sz="1800" b="0" i="0" u="none" strike="noStrike" cap="none">
                 <a:solidFill>
                   <a:schemeClr val="dk1"/>
                 </a:solidFill>
@@ -1896,12 +2094,12 @@
                 <a:sym typeface="Calibri"/>
               </a:defRPr>
             </a:lvl6pPr>
-            <a:lvl7pPr indent="0" lvl="6" marL="2743200" marR="0" rtl="0" algn="l">
-              <a:spcBef>
-                <a:spcPts val="0"/>
-              </a:spcBef>
-              <a:buNone/>
-              <a:defRPr b="0" i="0" sz="1800" u="none" cap="none" strike="noStrike">
+            <a:lvl7pPr marL="2743200" marR="0" lvl="6" indent="0" algn="l" rtl="0">
+              <a:spcBef>
+                <a:spcPts val="0"/>
+              </a:spcBef>
+              <a:buNone/>
+              <a:defRPr sz="1800" b="0" i="0" u="none" strike="noStrike" cap="none">
                 <a:solidFill>
                   <a:schemeClr val="dk1"/>
                 </a:solidFill>
@@ -1911,12 +2109,12 @@
                 <a:sym typeface="Calibri"/>
               </a:defRPr>
             </a:lvl7pPr>
-            <a:lvl8pPr indent="0" lvl="7" marL="3200400" marR="0" rtl="0" algn="l">
-              <a:spcBef>
-                <a:spcPts val="0"/>
-              </a:spcBef>
-              <a:buNone/>
-              <a:defRPr b="0" i="0" sz="1800" u="none" cap="none" strike="noStrike">
+            <a:lvl8pPr marL="3200400" marR="0" lvl="7" indent="0" algn="l" rtl="0">
+              <a:spcBef>
+                <a:spcPts val="0"/>
+              </a:spcBef>
+              <a:buNone/>
+              <a:defRPr sz="1800" b="0" i="0" u="none" strike="noStrike" cap="none">
                 <a:solidFill>
                   <a:schemeClr val="dk1"/>
                 </a:solidFill>
@@ -1926,12 +2124,12 @@
                 <a:sym typeface="Calibri"/>
               </a:defRPr>
             </a:lvl8pPr>
-            <a:lvl9pPr indent="0" lvl="8" marL="3657600" marR="0" rtl="0" algn="l">
-              <a:spcBef>
-                <a:spcPts val="0"/>
-              </a:spcBef>
-              <a:buNone/>
-              <a:defRPr b="0" i="0" sz="1800" u="none" cap="none" strike="noStrike">
+            <a:lvl9pPr marL="3657600" marR="0" lvl="8" indent="0" algn="l" rtl="0">
+              <a:spcBef>
+                <a:spcPts val="0"/>
+              </a:spcBef>
+              <a:buNone/>
+              <a:defRPr sz="1800" b="0" i="0" u="none" strike="noStrike" cap="none">
                 <a:solidFill>
                   <a:schemeClr val="dk1"/>
                 </a:solidFill>
@@ -1942,15 +2140,19 @@
               </a:defRPr>
             </a:lvl9pPr>
           </a:lstStyle>
-          <a:p/>
+          <a:p>
+            <a:endParaRPr/>
+          </a:p>
         </p:txBody>
       </p:sp>
       <p:sp>
         <p:nvSpPr>
           <p:cNvPr id="59" name="Shape 59"/>
-          <p:cNvSpPr txBox="1"/>
+          <p:cNvSpPr txBox="1">
+            <a:spLocks noGrp="1"/>
+          </p:cNvSpPr>
           <p:nvPr>
-            <p:ph idx="11" type="ftr"/>
+            <p:ph type="ftr" idx="11"/>
           </p:nvPr>
         </p:nvSpPr>
         <p:spPr>
@@ -1967,14 +2169,14 @@
           </a:ln>
         </p:spPr>
         <p:txBody>
-          <a:bodyPr anchorCtr="0" anchor="ctr" bIns="91425" lIns="91425" rIns="91425" tIns="91425"/>
+          <a:bodyPr lIns="91425" tIns="91425" rIns="91425" bIns="91425" anchor="ctr" anchorCtr="0"/>
           <a:lstStyle>
-            <a:lvl1pPr indent="0" lvl="0" marL="0" marR="0" rtl="0" algn="ctr">
-              <a:spcBef>
-                <a:spcPts val="0"/>
-              </a:spcBef>
-              <a:buNone/>
-              <a:defRPr b="0" i="0" sz="1200" u="none" cap="none" strike="noStrike">
+            <a:lvl1pPr marL="0" marR="0" lvl="0" indent="0" algn="ctr" rtl="0">
+              <a:spcBef>
+                <a:spcPts val="0"/>
+              </a:spcBef>
+              <a:buNone/>
+              <a:defRPr sz="1200" b="0" i="0" u="none" strike="noStrike" cap="none">
                 <a:solidFill>
                   <a:srgbClr val="888888"/>
                 </a:solidFill>
@@ -1984,12 +2186,12 @@
                 <a:sym typeface="Calibri"/>
               </a:defRPr>
             </a:lvl1pPr>
-            <a:lvl2pPr indent="0" lvl="1" marL="457200" marR="0" rtl="0" algn="l">
-              <a:spcBef>
-                <a:spcPts val="0"/>
-              </a:spcBef>
-              <a:buNone/>
-              <a:defRPr b="0" i="0" sz="1800" u="none" cap="none" strike="noStrike">
+            <a:lvl2pPr marL="457200" marR="0" lvl="1" indent="0" algn="l" rtl="0">
+              <a:spcBef>
+                <a:spcPts val="0"/>
+              </a:spcBef>
+              <a:buNone/>
+              <a:defRPr sz="1800" b="0" i="0" u="none" strike="noStrike" cap="none">
                 <a:solidFill>
                   <a:schemeClr val="dk1"/>
                 </a:solidFill>
@@ -1999,12 +2201,12 @@
                 <a:sym typeface="Calibri"/>
               </a:defRPr>
             </a:lvl2pPr>
-            <a:lvl3pPr indent="0" lvl="2" marL="914400" marR="0" rtl="0" algn="l">
-              <a:spcBef>
-                <a:spcPts val="0"/>
-              </a:spcBef>
-              <a:buNone/>
-              <a:defRPr b="0" i="0" sz="1800" u="none" cap="none" strike="noStrike">
+            <a:lvl3pPr marL="914400" marR="0" lvl="2" indent="0" algn="l" rtl="0">
+              <a:spcBef>
+                <a:spcPts val="0"/>
+              </a:spcBef>
+              <a:buNone/>
+              <a:defRPr sz="1800" b="0" i="0" u="none" strike="noStrike" cap="none">
                 <a:solidFill>
                   <a:schemeClr val="dk1"/>
                 </a:solidFill>
@@ -2014,12 +2216,12 @@
                 <a:sym typeface="Calibri"/>
               </a:defRPr>
             </a:lvl3pPr>
-            <a:lvl4pPr indent="0" lvl="3" marL="1371600" marR="0" rtl="0" algn="l">
-              <a:spcBef>
-                <a:spcPts val="0"/>
-              </a:spcBef>
-              <a:buNone/>
-              <a:defRPr b="0" i="0" sz="1800" u="none" cap="none" strike="noStrike">
+            <a:lvl4pPr marL="1371600" marR="0" lvl="3" indent="0" algn="l" rtl="0">
+              <a:spcBef>
+                <a:spcPts val="0"/>
+              </a:spcBef>
+              <a:buNone/>
+              <a:defRPr sz="1800" b="0" i="0" u="none" strike="noStrike" cap="none">
                 <a:solidFill>
                   <a:schemeClr val="dk1"/>
                 </a:solidFill>
@@ -2029,12 +2231,12 @@
                 <a:sym typeface="Calibri"/>
               </a:defRPr>
             </a:lvl4pPr>
-            <a:lvl5pPr indent="0" lvl="4" marL="1828800" marR="0" rtl="0" algn="l">
-              <a:spcBef>
-                <a:spcPts val="0"/>
-              </a:spcBef>
-              <a:buNone/>
-              <a:defRPr b="0" i="0" sz="1800" u="none" cap="none" strike="noStrike">
+            <a:lvl5pPr marL="1828800" marR="0" lvl="4" indent="0" algn="l" rtl="0">
+              <a:spcBef>
+                <a:spcPts val="0"/>
+              </a:spcBef>
+              <a:buNone/>
+              <a:defRPr sz="1800" b="0" i="0" u="none" strike="noStrike" cap="none">
                 <a:solidFill>
                   <a:schemeClr val="dk1"/>
                 </a:solidFill>
@@ -2044,12 +2246,12 @@
                 <a:sym typeface="Calibri"/>
               </a:defRPr>
             </a:lvl5pPr>
-            <a:lvl6pPr indent="0" lvl="5" marL="2286000" marR="0" rtl="0" algn="l">
-              <a:spcBef>
-                <a:spcPts val="0"/>
-              </a:spcBef>
-              <a:buNone/>
-              <a:defRPr b="0" i="0" sz="1800" u="none" cap="none" strike="noStrike">
+            <a:lvl6pPr marL="2286000" marR="0" lvl="5" indent="0" algn="l" rtl="0">
+              <a:spcBef>
+                <a:spcPts val="0"/>
+              </a:spcBef>
+              <a:buNone/>
+              <a:defRPr sz="1800" b="0" i="0" u="none" strike="noStrike" cap="none">
                 <a:solidFill>
                   <a:schemeClr val="dk1"/>
                 </a:solidFill>
@@ -2059,12 +2261,12 @@
                 <a:sym typeface="Calibri"/>
               </a:defRPr>
             </a:lvl6pPr>
-            <a:lvl7pPr indent="0" lvl="6" marL="2743200" marR="0" rtl="0" algn="l">
-              <a:spcBef>
-                <a:spcPts val="0"/>
-              </a:spcBef>
-              <a:buNone/>
-              <a:defRPr b="0" i="0" sz="1800" u="none" cap="none" strike="noStrike">
+            <a:lvl7pPr marL="2743200" marR="0" lvl="6" indent="0" algn="l" rtl="0">
+              <a:spcBef>
+                <a:spcPts val="0"/>
+              </a:spcBef>
+              <a:buNone/>
+              <a:defRPr sz="1800" b="0" i="0" u="none" strike="noStrike" cap="none">
                 <a:solidFill>
                   <a:schemeClr val="dk1"/>
                 </a:solidFill>
@@ -2074,12 +2276,12 @@
                 <a:sym typeface="Calibri"/>
               </a:defRPr>
             </a:lvl7pPr>
-            <a:lvl8pPr indent="0" lvl="7" marL="3200400" marR="0" rtl="0" algn="l">
-              <a:spcBef>
-                <a:spcPts val="0"/>
-              </a:spcBef>
-              <a:buNone/>
-              <a:defRPr b="0" i="0" sz="1800" u="none" cap="none" strike="noStrike">
+            <a:lvl8pPr marL="3200400" marR="0" lvl="7" indent="0" algn="l" rtl="0">
+              <a:spcBef>
+                <a:spcPts val="0"/>
+              </a:spcBef>
+              <a:buNone/>
+              <a:defRPr sz="1800" b="0" i="0" u="none" strike="noStrike" cap="none">
                 <a:solidFill>
                   <a:schemeClr val="dk1"/>
                 </a:solidFill>
@@ -2089,12 +2291,12 @@
                 <a:sym typeface="Calibri"/>
               </a:defRPr>
             </a:lvl8pPr>
-            <a:lvl9pPr indent="0" lvl="8" marL="3657600" marR="0" rtl="0" algn="l">
-              <a:spcBef>
-                <a:spcPts val="0"/>
-              </a:spcBef>
-              <a:buNone/>
-              <a:defRPr b="0" i="0" sz="1800" u="none" cap="none" strike="noStrike">
+            <a:lvl9pPr marL="3657600" marR="0" lvl="8" indent="0" algn="l" rtl="0">
+              <a:spcBef>
+                <a:spcPts val="0"/>
+              </a:spcBef>
+              <a:buNone/>
+              <a:defRPr sz="1800" b="0" i="0" u="none" strike="noStrike" cap="none">
                 <a:solidFill>
                   <a:schemeClr val="dk1"/>
                 </a:solidFill>
@@ -2105,15 +2307,19 @@
               </a:defRPr>
             </a:lvl9pPr>
           </a:lstStyle>
-          <a:p/>
+          <a:p>
+            <a:endParaRPr/>
+          </a:p>
         </p:txBody>
       </p:sp>
       <p:sp>
         <p:nvSpPr>
           <p:cNvPr id="60" name="Shape 60"/>
-          <p:cNvSpPr txBox="1"/>
+          <p:cNvSpPr txBox="1">
+            <a:spLocks noGrp="1"/>
+          </p:cNvSpPr>
           <p:nvPr>
-            <p:ph idx="12" type="sldNum"/>
+            <p:ph type="sldNum" idx="12"/>
           </p:nvPr>
         </p:nvSpPr>
         <p:spPr>
@@ -2130,12 +2336,12 @@
           </a:ln>
         </p:spPr>
         <p:txBody>
-          <a:bodyPr anchorCtr="0" anchor="ctr" bIns="45700" lIns="91425" rIns="91425" tIns="45700">
+          <a:bodyPr lIns="91425" tIns="45700" rIns="91425" bIns="45700" anchor="ctr" anchorCtr="0">
             <a:noAutofit/>
           </a:bodyPr>
           <a:lstStyle/>
           <a:p>
-            <a:pPr indent="0" lvl="0" marL="0" marR="0" rtl="0" algn="r">
+            <a:pPr marL="0" marR="0" lvl="0" indent="0" algn="r" rtl="0">
               <a:spcBef>
                 <a:spcPts val="0"/>
               </a:spcBef>
@@ -2143,7 +2349,7 @@
               <a:buNone/>
             </a:pPr>
             <a:fld id="{00000000-1234-1234-1234-123412341234}" type="slidenum">
-              <a:rPr b="0" i="0" lang="en-US" sz="1200" u="none" cap="none" strike="noStrike">
+              <a:rPr lang="en-US" sz="1200" b="0" i="0" u="none" strike="noStrike" cap="none">
                 <a:solidFill>
                   <a:srgbClr val="888888"/>
                 </a:solidFill>
@@ -2152,8 +2358,24 @@
                 <a:cs typeface="Calibri"/>
                 <a:sym typeface="Calibri"/>
               </a:rPr>
+              <a:pPr marL="0" marR="0" lvl="0" indent="0" algn="r" rtl="0">
+                <a:spcBef>
+                  <a:spcPts val="0"/>
+                </a:spcBef>
+                <a:buSzPct val="25000"/>
+                <a:buNone/>
+              </a:pPr>
               <a:t>‹#›</a:t>
             </a:fld>
+            <a:endParaRPr lang="en-US" sz="1200" b="0" i="0" u="none" strike="noStrike" cap="none">
+              <a:solidFill>
+                <a:srgbClr val="888888"/>
+              </a:solidFill>
+              <a:latin typeface="Calibri"/>
+              <a:ea typeface="Calibri"/>
+              <a:cs typeface="Calibri"/>
+              <a:sym typeface="Calibri"/>
+            </a:endParaRPr>
           </a:p>
         </p:txBody>
       </p:sp>
@@ -2166,18 +2388,19 @@
 </file>
 
 <file path=ppt/slideLayouts/slideLayout2.xml><?xml version="1.0" encoding="utf-8"?>
-<p:sldLayout xmlns:a="http://schemas.openxmlformats.org/drawingml/2006/main" xmlns:r="http://schemas.openxmlformats.org/officeDocument/2006/relationships" xmlns:mc="http://schemas.openxmlformats.org/markup-compatibility/2006" xmlns:mv="urn:schemas-microsoft-com:mac:vml" xmlns:p="http://schemas.openxmlformats.org/presentationml/2006/main" xmlns:c="http://schemas.openxmlformats.org/drawingml/2006/chart" xmlns:dgm="http://schemas.openxmlformats.org/drawingml/2006/diagram" xmlns:o="urn:schemas-microsoft-com:office:office" xmlns:v="urn:schemas-microsoft-com:vml" xmlns:pvml="urn:schemas-microsoft-com:office:powerpoint" xmlns:com="http://schemas.openxmlformats.org/drawingml/2006/compatibility" xmlns:p14="http://schemas.microsoft.com/office/powerpoint/2010/main" type="secHead">
+<p:sldLayout xmlns:a="http://schemas.openxmlformats.org/drawingml/2006/main" xmlns:r="http://schemas.openxmlformats.org/officeDocument/2006/relationships" xmlns:p="http://schemas.openxmlformats.org/presentationml/2006/main" type="secHead">
   <p:cSld name="Section header">
     <p:bg>
       <p:bgPr>
         <a:solidFill>
           <a:schemeClr val="dk1"/>
         </a:solidFill>
+        <a:effectLst/>
       </p:bgPr>
     </p:bg>
     <p:spTree>
       <p:nvGrpSpPr>
-        <p:cNvPr id="14" name="Shape 14"/>
+        <p:cNvPr id="1" name="Shape 14"/>
         <p:cNvGrpSpPr/>
         <p:nvPr/>
       </p:nvGrpSpPr>
@@ -2204,21 +2427,23 @@
             <a:avLst/>
           </a:prstGeom>
           <a:noFill/>
-          <a:ln cap="flat" cmpd="sng" w="19050">
+          <a:ln w="19050" cap="flat" cmpd="sng">
             <a:solidFill>
               <a:schemeClr val="lt2"/>
             </a:solidFill>
             <a:prstDash val="solid"/>
             <a:round/>
-            <a:headEnd len="med" w="med" type="none"/>
-            <a:tailEnd len="med" w="med" type="none"/>
+            <a:headEnd type="none" w="med" len="med"/>
+            <a:tailEnd type="none" w="med" len="med"/>
           </a:ln>
         </p:spPr>
       </p:cxnSp>
       <p:sp>
         <p:nvSpPr>
           <p:cNvPr id="16" name="Shape 16"/>
-          <p:cNvSpPr txBox="1"/>
+          <p:cNvSpPr txBox="1">
+            <a:spLocks noGrp="1"/>
+          </p:cNvSpPr>
           <p:nvPr>
             <p:ph type="title"/>
           </p:nvPr>
@@ -2233,7 +2458,7 @@
           </a:prstGeom>
         </p:spPr>
         <p:txBody>
-          <a:bodyPr anchorCtr="0" anchor="b" bIns="91425" lIns="91425" rIns="91425" tIns="91425"/>
+          <a:bodyPr lIns="91425" tIns="91425" rIns="91425" bIns="91425" anchor="b" anchorCtr="0"/>
           <a:lstStyle>
             <a:lvl1pPr lvl="0" rtl="0">
               <a:spcBef>
@@ -2362,15 +2587,19 @@
               </a:defRPr>
             </a:lvl9pPr>
           </a:lstStyle>
-          <a:p/>
+          <a:p>
+            <a:endParaRPr/>
+          </a:p>
         </p:txBody>
       </p:sp>
       <p:sp>
         <p:nvSpPr>
           <p:cNvPr id="17" name="Shape 17"/>
-          <p:cNvSpPr txBox="1"/>
+          <p:cNvSpPr txBox="1">
+            <a:spLocks noGrp="1"/>
+          </p:cNvSpPr>
           <p:nvPr>
-            <p:ph idx="12" type="sldNum"/>
+            <p:ph type="sldNum" idx="12"/>
           </p:nvPr>
         </p:nvSpPr>
         <p:spPr>
@@ -2383,7 +2612,7 @@
           </a:prstGeom>
         </p:spPr>
         <p:txBody>
-          <a:bodyPr anchorCtr="0" anchor="ctr" bIns="91425" lIns="91425" rIns="91425" tIns="91425">
+          <a:bodyPr lIns="91425" tIns="91425" rIns="91425" bIns="91425" anchor="ctr" anchorCtr="0">
             <a:noAutofit/>
           </a:bodyPr>
           <a:lstStyle/>
@@ -2400,8 +2629,19 @@
                   <a:schemeClr val="lt1"/>
                 </a:solidFill>
               </a:rPr>
+              <a:pPr lvl="0" rtl="0">
+                <a:spcBef>
+                  <a:spcPts val="0"/>
+                </a:spcBef>
+                <a:buNone/>
+              </a:pPr>
               <a:t>‹#›</a:t>
             </a:fld>
+            <a:endParaRPr lang="en-US">
+              <a:solidFill>
+                <a:schemeClr val="lt1"/>
+              </a:solidFill>
+            </a:endParaRPr>
           </a:p>
         </p:txBody>
       </p:sp>
@@ -2414,11 +2654,11 @@
 </file>
 
 <file path=ppt/slideLayouts/slideLayout3.xml><?xml version="1.0" encoding="utf-8"?>
-<p:sldLayout xmlns:a="http://schemas.openxmlformats.org/drawingml/2006/main" xmlns:r="http://schemas.openxmlformats.org/officeDocument/2006/relationships" xmlns:mc="http://schemas.openxmlformats.org/markup-compatibility/2006" xmlns:mv="urn:schemas-microsoft-com:mac:vml" xmlns:p="http://schemas.openxmlformats.org/presentationml/2006/main" xmlns:c="http://schemas.openxmlformats.org/drawingml/2006/chart" xmlns:dgm="http://schemas.openxmlformats.org/drawingml/2006/diagram" xmlns:o="urn:schemas-microsoft-com:office:office" xmlns:v="urn:schemas-microsoft-com:vml" xmlns:pvml="urn:schemas-microsoft-com:office:powerpoint" xmlns:com="http://schemas.openxmlformats.org/drawingml/2006/compatibility" xmlns:p14="http://schemas.microsoft.com/office/powerpoint/2010/main" type="tx">
+<p:sldLayout xmlns:a="http://schemas.openxmlformats.org/drawingml/2006/main" xmlns:r="http://schemas.openxmlformats.org/officeDocument/2006/relationships" xmlns:p="http://schemas.openxmlformats.org/presentationml/2006/main" type="tx">
   <p:cSld name="Title and body">
     <p:spTree>
       <p:nvGrpSpPr>
-        <p:cNvPr id="18" name="Shape 18"/>
+        <p:cNvPr id="1" name="Shape 18"/>
         <p:cNvGrpSpPr/>
         <p:nvPr/>
       </p:nvGrpSpPr>
@@ -2452,7 +2692,7 @@
           </a:ln>
         </p:spPr>
         <p:txBody>
-          <a:bodyPr anchorCtr="0" anchor="ctr" bIns="91425" lIns="91425" rIns="91425" tIns="91425">
+          <a:bodyPr lIns="91425" tIns="91425" rIns="91425" bIns="91425" anchor="ctr" anchorCtr="0">
             <a:noAutofit/>
           </a:bodyPr>
           <a:lstStyle/>
@@ -2463,9 +2703,6 @@
               </a:spcBef>
               <a:buNone/>
             </a:pPr>
-            <a:r>
-              <a:t/>
-            </a:r>
             <a:endParaRPr/>
           </a:p>
         </p:txBody>
@@ -2473,7 +2710,9 @@
       <p:sp>
         <p:nvSpPr>
           <p:cNvPr id="20" name="Shape 20"/>
-          <p:cNvSpPr txBox="1"/>
+          <p:cNvSpPr txBox="1">
+            <a:spLocks noGrp="1"/>
+          </p:cNvSpPr>
           <p:nvPr>
             <p:ph type="title"/>
           </p:nvPr>
@@ -2488,7 +2727,7 @@
           </a:prstGeom>
         </p:spPr>
         <p:txBody>
-          <a:bodyPr anchorCtr="0" anchor="t" bIns="91425" lIns="91425" rIns="91425" tIns="91425"/>
+          <a:bodyPr lIns="91425" tIns="91425" rIns="91425" bIns="91425" anchor="t" anchorCtr="0"/>
           <a:lstStyle>
             <a:lvl1pPr lvl="0" rtl="0">
               <a:spcBef>
@@ -2545,15 +2784,19 @@
               <a:defRPr/>
             </a:lvl9pPr>
           </a:lstStyle>
-          <a:p/>
+          <a:p>
+            <a:endParaRPr/>
+          </a:p>
         </p:txBody>
       </p:sp>
       <p:sp>
         <p:nvSpPr>
           <p:cNvPr id="21" name="Shape 21"/>
-          <p:cNvSpPr txBox="1"/>
+          <p:cNvSpPr txBox="1">
+            <a:spLocks noGrp="1"/>
+          </p:cNvSpPr>
           <p:nvPr>
-            <p:ph idx="1" type="body"/>
+            <p:ph type="body" idx="1"/>
           </p:nvPr>
         </p:nvSpPr>
         <p:spPr>
@@ -2566,7 +2809,7 @@
           </a:prstGeom>
         </p:spPr>
         <p:txBody>
-          <a:bodyPr anchorCtr="0" anchor="t" bIns="91425" lIns="91425" rIns="91425" tIns="91425"/>
+          <a:bodyPr lIns="91425" tIns="91425" rIns="91425" bIns="91425" anchor="t" anchorCtr="0"/>
           <a:lstStyle>
             <a:lvl1pPr lvl="0" rtl="0">
               <a:spcBef>
@@ -2623,15 +2866,19 @@
               <a:defRPr/>
             </a:lvl9pPr>
           </a:lstStyle>
-          <a:p/>
+          <a:p>
+            <a:endParaRPr/>
+          </a:p>
         </p:txBody>
       </p:sp>
       <p:sp>
         <p:nvSpPr>
           <p:cNvPr id="22" name="Shape 22"/>
-          <p:cNvSpPr txBox="1"/>
+          <p:cNvSpPr txBox="1">
+            <a:spLocks noGrp="1"/>
+          </p:cNvSpPr>
           <p:nvPr>
-            <p:ph idx="12" type="sldNum"/>
+            <p:ph type="sldNum" idx="12"/>
           </p:nvPr>
         </p:nvSpPr>
         <p:spPr>
@@ -2644,7 +2891,7 @@
           </a:prstGeom>
         </p:spPr>
         <p:txBody>
-          <a:bodyPr anchorCtr="0" anchor="ctr" bIns="91425" lIns="91425" rIns="91425" tIns="91425">
+          <a:bodyPr lIns="91425" tIns="91425" rIns="91425" bIns="91425" anchor="ctr" anchorCtr="0">
             <a:noAutofit/>
           </a:bodyPr>
           <a:lstStyle/>
@@ -2657,8 +2904,15 @@
             </a:pPr>
             <a:fld id="{00000000-1234-1234-1234-123412341234}" type="slidenum">
               <a:rPr lang="en-US"/>
+              <a:pPr lvl="0" rtl="0">
+                <a:spcBef>
+                  <a:spcPts val="0"/>
+                </a:spcBef>
+                <a:buNone/>
+              </a:pPr>
               <a:t>‹#›</a:t>
             </a:fld>
+            <a:endParaRPr lang="en-US"/>
           </a:p>
         </p:txBody>
       </p:sp>
@@ -2671,11 +2925,11 @@
 </file>
 
 <file path=ppt/slideLayouts/slideLayout4.xml><?xml version="1.0" encoding="utf-8"?>
-<p:sldLayout xmlns:a="http://schemas.openxmlformats.org/drawingml/2006/main" xmlns:r="http://schemas.openxmlformats.org/officeDocument/2006/relationships" xmlns:mc="http://schemas.openxmlformats.org/markup-compatibility/2006" xmlns:mv="urn:schemas-microsoft-com:mac:vml" xmlns:p="http://schemas.openxmlformats.org/presentationml/2006/main" xmlns:c="http://schemas.openxmlformats.org/drawingml/2006/chart" xmlns:dgm="http://schemas.openxmlformats.org/drawingml/2006/diagram" xmlns:o="urn:schemas-microsoft-com:office:office" xmlns:v="urn:schemas-microsoft-com:vml" xmlns:pvml="urn:schemas-microsoft-com:office:powerpoint" xmlns:com="http://schemas.openxmlformats.org/drawingml/2006/compatibility" xmlns:p14="http://schemas.microsoft.com/office/powerpoint/2010/main" type="twoColTx">
+<p:sldLayout xmlns:a="http://schemas.openxmlformats.org/drawingml/2006/main" xmlns:r="http://schemas.openxmlformats.org/officeDocument/2006/relationships" xmlns:p="http://schemas.openxmlformats.org/presentationml/2006/main" type="twoColTx">
   <p:cSld name="Title and two columns">
     <p:spTree>
       <p:nvGrpSpPr>
-        <p:cNvPr id="23" name="Shape 23"/>
+        <p:cNvPr id="1" name="Shape 23"/>
         <p:cNvGrpSpPr/>
         <p:nvPr/>
       </p:nvGrpSpPr>
@@ -2690,7 +2944,9 @@
       <p:sp>
         <p:nvSpPr>
           <p:cNvPr id="24" name="Shape 24"/>
-          <p:cNvSpPr txBox="1"/>
+          <p:cNvSpPr txBox="1">
+            <a:spLocks noGrp="1"/>
+          </p:cNvSpPr>
           <p:nvPr>
             <p:ph type="title"/>
           </p:nvPr>
@@ -2705,7 +2961,7 @@
           </a:prstGeom>
         </p:spPr>
         <p:txBody>
-          <a:bodyPr anchorCtr="0" anchor="t" bIns="91425" lIns="91425" rIns="91425" tIns="91425"/>
+          <a:bodyPr lIns="91425" tIns="91425" rIns="91425" bIns="91425" anchor="t" anchorCtr="0"/>
           <a:lstStyle>
             <a:lvl1pPr lvl="0" rtl="0">
               <a:spcBef>
@@ -2762,15 +3018,19 @@
               <a:defRPr/>
             </a:lvl9pPr>
           </a:lstStyle>
-          <a:p/>
+          <a:p>
+            <a:endParaRPr/>
+          </a:p>
         </p:txBody>
       </p:sp>
       <p:sp>
         <p:nvSpPr>
           <p:cNvPr id="25" name="Shape 25"/>
-          <p:cNvSpPr txBox="1"/>
+          <p:cNvSpPr txBox="1">
+            <a:spLocks noGrp="1"/>
+          </p:cNvSpPr>
           <p:nvPr>
-            <p:ph idx="1" type="body"/>
+            <p:ph type="body" idx="1"/>
           </p:nvPr>
         </p:nvSpPr>
         <p:spPr>
@@ -2783,7 +3043,7 @@
           </a:prstGeom>
         </p:spPr>
         <p:txBody>
-          <a:bodyPr anchorCtr="0" anchor="t" bIns="91425" lIns="91425" rIns="91425" tIns="91425"/>
+          <a:bodyPr lIns="91425" tIns="91425" rIns="91425" bIns="91425" anchor="t" anchorCtr="0"/>
           <a:lstStyle>
             <a:lvl1pPr lvl="0" rtl="0">
               <a:spcBef>
@@ -2849,15 +3109,19 @@
               <a:defRPr sz="1200"/>
             </a:lvl9pPr>
           </a:lstStyle>
-          <a:p/>
+          <a:p>
+            <a:endParaRPr/>
+          </a:p>
         </p:txBody>
       </p:sp>
       <p:sp>
         <p:nvSpPr>
           <p:cNvPr id="26" name="Shape 26"/>
-          <p:cNvSpPr txBox="1"/>
+          <p:cNvSpPr txBox="1">
+            <a:spLocks noGrp="1"/>
+          </p:cNvSpPr>
           <p:nvPr>
-            <p:ph idx="2" type="body"/>
+            <p:ph type="body" idx="2"/>
           </p:nvPr>
         </p:nvSpPr>
         <p:spPr>
@@ -2870,7 +3134,7 @@
           </a:prstGeom>
         </p:spPr>
         <p:txBody>
-          <a:bodyPr anchorCtr="0" anchor="t" bIns="91425" lIns="91425" rIns="91425" tIns="91425"/>
+          <a:bodyPr lIns="91425" tIns="91425" rIns="91425" bIns="91425" anchor="t" anchorCtr="0"/>
           <a:lstStyle>
             <a:lvl1pPr lvl="0" rtl="0">
               <a:spcBef>
@@ -2936,15 +3200,19 @@
               <a:defRPr sz="1200"/>
             </a:lvl9pPr>
           </a:lstStyle>
-          <a:p/>
+          <a:p>
+            <a:endParaRPr/>
+          </a:p>
         </p:txBody>
       </p:sp>
       <p:sp>
         <p:nvSpPr>
           <p:cNvPr id="27" name="Shape 27"/>
-          <p:cNvSpPr txBox="1"/>
+          <p:cNvSpPr txBox="1">
+            <a:spLocks noGrp="1"/>
+          </p:cNvSpPr>
           <p:nvPr>
-            <p:ph idx="12" type="sldNum"/>
+            <p:ph type="sldNum" idx="12"/>
           </p:nvPr>
         </p:nvSpPr>
         <p:spPr>
@@ -2957,7 +3225,7 @@
           </a:prstGeom>
         </p:spPr>
         <p:txBody>
-          <a:bodyPr anchorCtr="0" anchor="ctr" bIns="91425" lIns="91425" rIns="91425" tIns="91425">
+          <a:bodyPr lIns="91425" tIns="91425" rIns="91425" bIns="91425" anchor="ctr" anchorCtr="0">
             <a:noAutofit/>
           </a:bodyPr>
           <a:lstStyle/>
@@ -2970,8 +3238,15 @@
             </a:pPr>
             <a:fld id="{00000000-1234-1234-1234-123412341234}" type="slidenum">
               <a:rPr lang="en-US"/>
+              <a:pPr lvl="0" rtl="0">
+                <a:spcBef>
+                  <a:spcPts val="0"/>
+                </a:spcBef>
+                <a:buNone/>
+              </a:pPr>
               <a:t>‹#›</a:t>
             </a:fld>
+            <a:endParaRPr lang="en-US"/>
           </a:p>
         </p:txBody>
       </p:sp>
@@ -2984,11 +3259,11 @@
 </file>
 
 <file path=ppt/slideLayouts/slideLayout5.xml><?xml version="1.0" encoding="utf-8"?>
-<p:sldLayout xmlns:a="http://schemas.openxmlformats.org/drawingml/2006/main" xmlns:r="http://schemas.openxmlformats.org/officeDocument/2006/relationships" xmlns:mc="http://schemas.openxmlformats.org/markup-compatibility/2006" xmlns:mv="urn:schemas-microsoft-com:mac:vml" xmlns:p="http://schemas.openxmlformats.org/presentationml/2006/main" xmlns:c="http://schemas.openxmlformats.org/drawingml/2006/chart" xmlns:dgm="http://schemas.openxmlformats.org/drawingml/2006/diagram" xmlns:o="urn:schemas-microsoft-com:office:office" xmlns:v="urn:schemas-microsoft-com:vml" xmlns:pvml="urn:schemas-microsoft-com:office:powerpoint" xmlns:com="http://schemas.openxmlformats.org/drawingml/2006/compatibility" xmlns:p14="http://schemas.microsoft.com/office/powerpoint/2010/main" type="titleOnly">
+<p:sldLayout xmlns:a="http://schemas.openxmlformats.org/drawingml/2006/main" xmlns:r="http://schemas.openxmlformats.org/officeDocument/2006/relationships" xmlns:p="http://schemas.openxmlformats.org/presentationml/2006/main" type="titleOnly">
   <p:cSld name="Title only">
     <p:spTree>
       <p:nvGrpSpPr>
-        <p:cNvPr id="28" name="Shape 28"/>
+        <p:cNvPr id="1" name="Shape 28"/>
         <p:cNvGrpSpPr/>
         <p:nvPr/>
       </p:nvGrpSpPr>
@@ -3003,7 +3278,9 @@
       <p:sp>
         <p:nvSpPr>
           <p:cNvPr id="29" name="Shape 29"/>
-          <p:cNvSpPr txBox="1"/>
+          <p:cNvSpPr txBox="1">
+            <a:spLocks noGrp="1"/>
+          </p:cNvSpPr>
           <p:nvPr>
             <p:ph type="title"/>
           </p:nvPr>
@@ -3018,7 +3295,7 @@
           </a:prstGeom>
         </p:spPr>
         <p:txBody>
-          <a:bodyPr anchorCtr="0" anchor="t" bIns="91425" lIns="91425" rIns="91425" tIns="91425"/>
+          <a:bodyPr lIns="91425" tIns="91425" rIns="91425" bIns="91425" anchor="t" anchorCtr="0"/>
           <a:lstStyle>
             <a:lvl1pPr lvl="0" rtl="0">
               <a:spcBef>
@@ -3075,15 +3352,19 @@
               <a:defRPr/>
             </a:lvl9pPr>
           </a:lstStyle>
-          <a:p/>
+          <a:p>
+            <a:endParaRPr/>
+          </a:p>
         </p:txBody>
       </p:sp>
       <p:sp>
         <p:nvSpPr>
           <p:cNvPr id="30" name="Shape 30"/>
-          <p:cNvSpPr txBox="1"/>
+          <p:cNvSpPr txBox="1">
+            <a:spLocks noGrp="1"/>
+          </p:cNvSpPr>
           <p:nvPr>
-            <p:ph idx="12" type="sldNum"/>
+            <p:ph type="sldNum" idx="12"/>
           </p:nvPr>
         </p:nvSpPr>
         <p:spPr>
@@ -3096,7 +3377,7 @@
           </a:prstGeom>
         </p:spPr>
         <p:txBody>
-          <a:bodyPr anchorCtr="0" anchor="ctr" bIns="91425" lIns="91425" rIns="91425" tIns="91425">
+          <a:bodyPr lIns="91425" tIns="91425" rIns="91425" bIns="91425" anchor="ctr" anchorCtr="0">
             <a:noAutofit/>
           </a:bodyPr>
           <a:lstStyle/>
@@ -3109,8 +3390,15 @@
             </a:pPr>
             <a:fld id="{00000000-1234-1234-1234-123412341234}" type="slidenum">
               <a:rPr lang="en-US"/>
+              <a:pPr lvl="0" rtl="0">
+                <a:spcBef>
+                  <a:spcPts val="0"/>
+                </a:spcBef>
+                <a:buNone/>
+              </a:pPr>
               <a:t>‹#›</a:t>
             </a:fld>
+            <a:endParaRPr lang="en-US"/>
           </a:p>
         </p:txBody>
       </p:sp>
@@ -3123,11 +3411,11 @@
 </file>
 
 <file path=ppt/slideLayouts/slideLayout6.xml><?xml version="1.0" encoding="utf-8"?>
-<p:sldLayout xmlns:a="http://schemas.openxmlformats.org/drawingml/2006/main" xmlns:r="http://schemas.openxmlformats.org/officeDocument/2006/relationships" xmlns:mc="http://schemas.openxmlformats.org/markup-compatibility/2006" xmlns:mv="urn:schemas-microsoft-com:mac:vml" xmlns:p="http://schemas.openxmlformats.org/presentationml/2006/main" xmlns:c="http://schemas.openxmlformats.org/drawingml/2006/chart" xmlns:dgm="http://schemas.openxmlformats.org/drawingml/2006/diagram" xmlns:o="urn:schemas-microsoft-com:office:office" xmlns:v="urn:schemas-microsoft-com:vml" xmlns:pvml="urn:schemas-microsoft-com:office:powerpoint" xmlns:com="http://schemas.openxmlformats.org/drawingml/2006/compatibility" xmlns:p14="http://schemas.microsoft.com/office/powerpoint/2010/main">
+<p:sldLayout xmlns:a="http://schemas.openxmlformats.org/drawingml/2006/main" xmlns:r="http://schemas.openxmlformats.org/officeDocument/2006/relationships" xmlns:p="http://schemas.openxmlformats.org/presentationml/2006/main">
   <p:cSld name="One column text">
     <p:spTree>
       <p:nvGrpSpPr>
-        <p:cNvPr id="31" name="Shape 31"/>
+        <p:cNvPr id="1" name="Shape 31"/>
         <p:cNvGrpSpPr/>
         <p:nvPr/>
       </p:nvGrpSpPr>
@@ -3142,7 +3430,9 @@
       <p:sp>
         <p:nvSpPr>
           <p:cNvPr id="32" name="Shape 32"/>
-          <p:cNvSpPr txBox="1"/>
+          <p:cNvSpPr txBox="1">
+            <a:spLocks noGrp="1"/>
+          </p:cNvSpPr>
           <p:nvPr>
             <p:ph type="title"/>
           </p:nvPr>
@@ -3157,7 +3447,7 @@
           </a:prstGeom>
         </p:spPr>
         <p:txBody>
-          <a:bodyPr anchorCtr="0" anchor="b" bIns="91425" lIns="91425" rIns="91425" tIns="91425"/>
+          <a:bodyPr lIns="91425" tIns="91425" rIns="91425" bIns="91425" anchor="b" anchorCtr="0"/>
           <a:lstStyle>
             <a:lvl1pPr lvl="0" rtl="0">
               <a:spcBef>
@@ -3223,15 +3513,19 @@
               <a:defRPr sz="2400"/>
             </a:lvl9pPr>
           </a:lstStyle>
-          <a:p/>
+          <a:p>
+            <a:endParaRPr/>
+          </a:p>
         </p:txBody>
       </p:sp>
       <p:sp>
         <p:nvSpPr>
           <p:cNvPr id="33" name="Shape 33"/>
-          <p:cNvSpPr txBox="1"/>
+          <p:cNvSpPr txBox="1">
+            <a:spLocks noGrp="1"/>
+          </p:cNvSpPr>
           <p:nvPr>
-            <p:ph idx="1" type="body"/>
+            <p:ph type="body" idx="1"/>
           </p:nvPr>
         </p:nvSpPr>
         <p:spPr>
@@ -3244,7 +3538,7 @@
           </a:prstGeom>
         </p:spPr>
         <p:txBody>
-          <a:bodyPr anchorCtr="0" anchor="t" bIns="91425" lIns="91425" rIns="91425" tIns="91425"/>
+          <a:bodyPr lIns="91425" tIns="91425" rIns="91425" bIns="91425" anchor="t" anchorCtr="0"/>
           <a:lstStyle>
             <a:lvl1pPr lvl="0" rtl="0">
               <a:spcBef>
@@ -3310,15 +3604,19 @@
               <a:defRPr sz="1200"/>
             </a:lvl9pPr>
           </a:lstStyle>
-          <a:p/>
+          <a:p>
+            <a:endParaRPr/>
+          </a:p>
         </p:txBody>
       </p:sp>
       <p:sp>
         <p:nvSpPr>
           <p:cNvPr id="34" name="Shape 34"/>
-          <p:cNvSpPr txBox="1"/>
+          <p:cNvSpPr txBox="1">
+            <a:spLocks noGrp="1"/>
+          </p:cNvSpPr>
           <p:nvPr>
-            <p:ph idx="12" type="sldNum"/>
+            <p:ph type="sldNum" idx="12"/>
           </p:nvPr>
         </p:nvSpPr>
         <p:spPr>
@@ -3331,7 +3629,7 @@
           </a:prstGeom>
         </p:spPr>
         <p:txBody>
-          <a:bodyPr anchorCtr="0" anchor="ctr" bIns="91425" lIns="91425" rIns="91425" tIns="91425">
+          <a:bodyPr lIns="91425" tIns="91425" rIns="91425" bIns="91425" anchor="ctr" anchorCtr="0">
             <a:noAutofit/>
           </a:bodyPr>
           <a:lstStyle/>
@@ -3344,8 +3642,15 @@
             </a:pPr>
             <a:fld id="{00000000-1234-1234-1234-123412341234}" type="slidenum">
               <a:rPr lang="en-US"/>
+              <a:pPr lvl="0" rtl="0">
+                <a:spcBef>
+                  <a:spcPts val="0"/>
+                </a:spcBef>
+                <a:buNone/>
+              </a:pPr>
               <a:t>‹#›</a:t>
             </a:fld>
+            <a:endParaRPr lang="en-US"/>
           </a:p>
         </p:txBody>
       </p:sp>
@@ -3358,18 +3663,19 @@
 </file>
 
 <file path=ppt/slideLayouts/slideLayout7.xml><?xml version="1.0" encoding="utf-8"?>
-<p:sldLayout xmlns:a="http://schemas.openxmlformats.org/drawingml/2006/main" xmlns:r="http://schemas.openxmlformats.org/officeDocument/2006/relationships" xmlns:mc="http://schemas.openxmlformats.org/markup-compatibility/2006" xmlns:mv="urn:schemas-microsoft-com:mac:vml" xmlns:p="http://schemas.openxmlformats.org/presentationml/2006/main" xmlns:c="http://schemas.openxmlformats.org/drawingml/2006/chart" xmlns:dgm="http://schemas.openxmlformats.org/drawingml/2006/diagram" xmlns:o="urn:schemas-microsoft-com:office:office" xmlns:v="urn:schemas-microsoft-com:vml" xmlns:pvml="urn:schemas-microsoft-com:office:powerpoint" xmlns:com="http://schemas.openxmlformats.org/drawingml/2006/compatibility" xmlns:p14="http://schemas.microsoft.com/office/powerpoint/2010/main">
+<p:sldLayout xmlns:a="http://schemas.openxmlformats.org/drawingml/2006/main" xmlns:r="http://schemas.openxmlformats.org/officeDocument/2006/relationships" xmlns:p="http://schemas.openxmlformats.org/presentationml/2006/main">
   <p:cSld name="Main point">
     <p:bg>
       <p:bgPr>
         <a:solidFill>
           <a:schemeClr val="lt2"/>
         </a:solidFill>
+        <a:effectLst/>
       </p:bgPr>
     </p:bg>
     <p:spTree>
       <p:nvGrpSpPr>
-        <p:cNvPr id="35" name="Shape 35"/>
+        <p:cNvPr id="1" name="Shape 35"/>
         <p:cNvGrpSpPr/>
         <p:nvPr/>
       </p:nvGrpSpPr>
@@ -3384,7 +3690,9 @@
       <p:sp>
         <p:nvSpPr>
           <p:cNvPr id="36" name="Shape 36"/>
-          <p:cNvSpPr txBox="1"/>
+          <p:cNvSpPr txBox="1">
+            <a:spLocks noGrp="1"/>
+          </p:cNvSpPr>
           <p:nvPr>
             <p:ph type="title"/>
           </p:nvPr>
@@ -3399,7 +3707,7 @@
           </a:prstGeom>
         </p:spPr>
         <p:txBody>
-          <a:bodyPr anchorCtr="0" anchor="ctr" bIns="91425" lIns="91425" rIns="91425" tIns="91425"/>
+          <a:bodyPr lIns="91425" tIns="91425" rIns="91425" bIns="91425" anchor="ctr" anchorCtr="0"/>
           <a:lstStyle>
             <a:lvl1pPr lvl="0" rtl="0">
               <a:spcBef>
@@ -3465,15 +3773,19 @@
               <a:defRPr sz="4800"/>
             </a:lvl9pPr>
           </a:lstStyle>
-          <a:p/>
+          <a:p>
+            <a:endParaRPr/>
+          </a:p>
         </p:txBody>
       </p:sp>
       <p:sp>
         <p:nvSpPr>
           <p:cNvPr id="37" name="Shape 37"/>
-          <p:cNvSpPr txBox="1"/>
+          <p:cNvSpPr txBox="1">
+            <a:spLocks noGrp="1"/>
+          </p:cNvSpPr>
           <p:nvPr>
-            <p:ph idx="12" type="sldNum"/>
+            <p:ph type="sldNum" idx="12"/>
           </p:nvPr>
         </p:nvSpPr>
         <p:spPr>
@@ -3486,7 +3798,7 @@
           </a:prstGeom>
         </p:spPr>
         <p:txBody>
-          <a:bodyPr anchorCtr="0" anchor="ctr" bIns="91425" lIns="91425" rIns="91425" tIns="91425">
+          <a:bodyPr lIns="91425" tIns="91425" rIns="91425" bIns="91425" anchor="ctr" anchorCtr="0">
             <a:noAutofit/>
           </a:bodyPr>
           <a:lstStyle/>
@@ -3499,8 +3811,15 @@
             </a:pPr>
             <a:fld id="{00000000-1234-1234-1234-123412341234}" type="slidenum">
               <a:rPr lang="en-US"/>
+              <a:pPr lvl="0" rtl="0">
+                <a:spcBef>
+                  <a:spcPts val="0"/>
+                </a:spcBef>
+                <a:buNone/>
+              </a:pPr>
               <a:t>‹#›</a:t>
             </a:fld>
+            <a:endParaRPr lang="en-US"/>
           </a:p>
         </p:txBody>
       </p:sp>
@@ -3513,11 +3832,11 @@
 </file>
 
 <file path=ppt/slideLayouts/slideLayout8.xml><?xml version="1.0" encoding="utf-8"?>
-<p:sldLayout xmlns:a="http://schemas.openxmlformats.org/drawingml/2006/main" xmlns:r="http://schemas.openxmlformats.org/officeDocument/2006/relationships" xmlns:mc="http://schemas.openxmlformats.org/markup-compatibility/2006" xmlns:mv="urn:schemas-microsoft-com:mac:vml" xmlns:p="http://schemas.openxmlformats.org/presentationml/2006/main" xmlns:c="http://schemas.openxmlformats.org/drawingml/2006/chart" xmlns:dgm="http://schemas.openxmlformats.org/drawingml/2006/diagram" xmlns:o="urn:schemas-microsoft-com:office:office" xmlns:v="urn:schemas-microsoft-com:vml" xmlns:pvml="urn:schemas-microsoft-com:office:powerpoint" xmlns:com="http://schemas.openxmlformats.org/drawingml/2006/compatibility" xmlns:p14="http://schemas.microsoft.com/office/powerpoint/2010/main">
+<p:sldLayout xmlns:a="http://schemas.openxmlformats.org/drawingml/2006/main" xmlns:r="http://schemas.openxmlformats.org/officeDocument/2006/relationships" xmlns:p="http://schemas.openxmlformats.org/presentationml/2006/main">
   <p:cSld name="Section title and description">
     <p:spTree>
       <p:nvGrpSpPr>
-        <p:cNvPr id="38" name="Shape 38"/>
+        <p:cNvPr id="1" name="Shape 38"/>
         <p:cNvGrpSpPr/>
         <p:nvPr/>
       </p:nvGrpSpPr>
@@ -3551,7 +3870,7 @@
           </a:ln>
         </p:spPr>
         <p:txBody>
-          <a:bodyPr anchorCtr="0" anchor="ctr" bIns="91425" lIns="91425" rIns="91425" tIns="91425">
+          <a:bodyPr lIns="91425" tIns="91425" rIns="91425" bIns="91425" anchor="ctr" anchorCtr="0">
             <a:noAutofit/>
           </a:bodyPr>
           <a:lstStyle/>
@@ -3562,9 +3881,6 @@
               </a:spcBef>
               <a:buNone/>
             </a:pPr>
-            <a:r>
-              <a:t/>
-            </a:r>
             <a:endParaRPr/>
           </a:p>
         </p:txBody>
@@ -3584,21 +3900,23 @@
             <a:avLst/>
           </a:prstGeom>
           <a:noFill/>
-          <a:ln cap="flat" cmpd="sng" w="19050">
+          <a:ln w="19050" cap="flat" cmpd="sng">
             <a:solidFill>
               <a:schemeClr val="lt2"/>
             </a:solidFill>
             <a:prstDash val="solid"/>
             <a:round/>
-            <a:headEnd len="med" w="med" type="none"/>
-            <a:tailEnd len="med" w="med" type="none"/>
+            <a:headEnd type="none" w="med" len="med"/>
+            <a:tailEnd type="none" w="med" len="med"/>
           </a:ln>
         </p:spPr>
       </p:cxnSp>
       <p:sp>
         <p:nvSpPr>
           <p:cNvPr id="41" name="Shape 41"/>
-          <p:cNvSpPr txBox="1"/>
+          <p:cNvSpPr txBox="1">
+            <a:spLocks noGrp="1"/>
+          </p:cNvSpPr>
           <p:nvPr>
             <p:ph type="title"/>
           </p:nvPr>
@@ -3613,65 +3931,65 @@
           </a:prstGeom>
         </p:spPr>
         <p:txBody>
-          <a:bodyPr anchorCtr="0" anchor="b" bIns="91425" lIns="91425" rIns="91425" tIns="91425"/>
+          <a:bodyPr lIns="91425" tIns="91425" rIns="91425" bIns="91425" anchor="b" anchorCtr="0"/>
           <a:lstStyle>
-            <a:lvl1pPr lvl="0" rtl="0" algn="ctr">
+            <a:lvl1pPr lvl="0" algn="ctr" rtl="0">
               <a:spcBef>
                 <a:spcPts val="0"/>
               </a:spcBef>
               <a:buSzPct val="100000"/>
               <a:defRPr sz="4200"/>
             </a:lvl1pPr>
-            <a:lvl2pPr lvl="1" rtl="0" algn="ctr">
+            <a:lvl2pPr lvl="1" algn="ctr" rtl="0">
               <a:spcBef>
                 <a:spcPts val="0"/>
               </a:spcBef>
               <a:buSzPct val="100000"/>
               <a:defRPr sz="4200"/>
             </a:lvl2pPr>
-            <a:lvl3pPr lvl="2" rtl="0" algn="ctr">
+            <a:lvl3pPr lvl="2" algn="ctr" rtl="0">
               <a:spcBef>
                 <a:spcPts val="0"/>
               </a:spcBef>
               <a:buSzPct val="100000"/>
               <a:defRPr sz="4200"/>
             </a:lvl3pPr>
-            <a:lvl4pPr lvl="3" rtl="0" algn="ctr">
+            <a:lvl4pPr lvl="3" algn="ctr" rtl="0">
               <a:spcBef>
                 <a:spcPts val="0"/>
               </a:spcBef>
               <a:buSzPct val="100000"/>
               <a:defRPr sz="4200"/>
             </a:lvl4pPr>
-            <a:lvl5pPr lvl="4" rtl="0" algn="ctr">
+            <a:lvl5pPr lvl="4" algn="ctr" rtl="0">
               <a:spcBef>
                 <a:spcPts val="0"/>
               </a:spcBef>
               <a:buSzPct val="100000"/>
               <a:defRPr sz="4200"/>
             </a:lvl5pPr>
-            <a:lvl6pPr lvl="5" rtl="0" algn="ctr">
+            <a:lvl6pPr lvl="5" algn="ctr" rtl="0">
               <a:spcBef>
                 <a:spcPts val="0"/>
               </a:spcBef>
               <a:buSzPct val="100000"/>
               <a:defRPr sz="4200"/>
             </a:lvl6pPr>
-            <a:lvl7pPr lvl="6" rtl="0" algn="ctr">
+            <a:lvl7pPr lvl="6" algn="ctr" rtl="0">
               <a:spcBef>
                 <a:spcPts val="0"/>
               </a:spcBef>
               <a:buSzPct val="100000"/>
               <a:defRPr sz="4200"/>
             </a:lvl7pPr>
-            <a:lvl8pPr lvl="7" rtl="0" algn="ctr">
+            <a:lvl8pPr lvl="7" algn="ctr" rtl="0">
               <a:spcBef>
                 <a:spcPts val="0"/>
               </a:spcBef>
               <a:buSzPct val="100000"/>
               <a:defRPr sz="4200"/>
             </a:lvl8pPr>
-            <a:lvl9pPr lvl="8" rtl="0" algn="ctr">
+            <a:lvl9pPr lvl="8" algn="ctr" rtl="0">
               <a:spcBef>
                 <a:spcPts val="0"/>
               </a:spcBef>
@@ -3679,15 +3997,19 @@
               <a:defRPr sz="4200"/>
             </a:lvl9pPr>
           </a:lstStyle>
-          <a:p/>
+          <a:p>
+            <a:endParaRPr/>
+          </a:p>
         </p:txBody>
       </p:sp>
       <p:sp>
         <p:nvSpPr>
           <p:cNvPr id="42" name="Shape 42"/>
-          <p:cNvSpPr txBox="1"/>
+          <p:cNvSpPr txBox="1">
+            <a:spLocks noGrp="1"/>
+          </p:cNvSpPr>
           <p:nvPr>
-            <p:ph idx="1" type="subTitle"/>
+            <p:ph type="subTitle" idx="1"/>
           </p:nvPr>
         </p:nvSpPr>
         <p:spPr>
@@ -3700,9 +4022,9 @@
           </a:prstGeom>
         </p:spPr>
         <p:txBody>
-          <a:bodyPr anchorCtr="0" anchor="t" bIns="91425" lIns="91425" rIns="91425" tIns="91425"/>
+          <a:bodyPr lIns="91425" tIns="91425" rIns="91425" bIns="91425" anchor="t" anchorCtr="0"/>
           <a:lstStyle>
-            <a:lvl1pPr lvl="0" rtl="0" algn="ctr">
+            <a:lvl1pPr lvl="0" algn="ctr" rtl="0">
               <a:lnSpc>
                 <a:spcPct val="100000"/>
               </a:lnSpc>
@@ -3716,7 +4038,7 @@
               <a:buNone/>
               <a:defRPr sz="2100"/>
             </a:lvl1pPr>
-            <a:lvl2pPr lvl="1" rtl="0" algn="ctr">
+            <a:lvl2pPr lvl="1" algn="ctr" rtl="0">
               <a:lnSpc>
                 <a:spcPct val="100000"/>
               </a:lnSpc>
@@ -3730,7 +4052,7 @@
               <a:buNone/>
               <a:defRPr sz="2100"/>
             </a:lvl2pPr>
-            <a:lvl3pPr lvl="2" rtl="0" algn="ctr">
+            <a:lvl3pPr lvl="2" algn="ctr" rtl="0">
               <a:lnSpc>
                 <a:spcPct val="100000"/>
               </a:lnSpc>
@@ -3744,7 +4066,7 @@
               <a:buNone/>
               <a:defRPr sz="2100"/>
             </a:lvl3pPr>
-            <a:lvl4pPr lvl="3" rtl="0" algn="ctr">
+            <a:lvl4pPr lvl="3" algn="ctr" rtl="0">
               <a:lnSpc>
                 <a:spcPct val="100000"/>
               </a:lnSpc>
@@ -3758,7 +4080,7 @@
               <a:buNone/>
               <a:defRPr sz="2100"/>
             </a:lvl4pPr>
-            <a:lvl5pPr lvl="4" rtl="0" algn="ctr">
+            <a:lvl5pPr lvl="4" algn="ctr" rtl="0">
               <a:lnSpc>
                 <a:spcPct val="100000"/>
               </a:lnSpc>
@@ -3772,7 +4094,7 @@
               <a:buNone/>
               <a:defRPr sz="2100"/>
             </a:lvl5pPr>
-            <a:lvl6pPr lvl="5" rtl="0" algn="ctr">
+            <a:lvl6pPr lvl="5" algn="ctr" rtl="0">
               <a:lnSpc>
                 <a:spcPct val="100000"/>
               </a:lnSpc>
@@ -3786,7 +4108,7 @@
               <a:buNone/>
               <a:defRPr sz="2100"/>
             </a:lvl6pPr>
-            <a:lvl7pPr lvl="6" rtl="0" algn="ctr">
+            <a:lvl7pPr lvl="6" algn="ctr" rtl="0">
               <a:lnSpc>
                 <a:spcPct val="100000"/>
               </a:lnSpc>
@@ -3800,7 +4122,7 @@
               <a:buNone/>
               <a:defRPr sz="2100"/>
             </a:lvl7pPr>
-            <a:lvl8pPr lvl="7" rtl="0" algn="ctr">
+            <a:lvl8pPr lvl="7" algn="ctr" rtl="0">
               <a:lnSpc>
                 <a:spcPct val="100000"/>
               </a:lnSpc>
@@ -3814,7 +4136,7 @@
               <a:buNone/>
               <a:defRPr sz="2100"/>
             </a:lvl8pPr>
-            <a:lvl9pPr lvl="8" rtl="0" algn="ctr">
+            <a:lvl9pPr lvl="8" algn="ctr" rtl="0">
               <a:lnSpc>
                 <a:spcPct val="100000"/>
               </a:lnSpc>
@@ -3829,15 +4151,19 @@
               <a:defRPr sz="2100"/>
             </a:lvl9pPr>
           </a:lstStyle>
-          <a:p/>
+          <a:p>
+            <a:endParaRPr/>
+          </a:p>
         </p:txBody>
       </p:sp>
       <p:sp>
         <p:nvSpPr>
           <p:cNvPr id="43" name="Shape 43"/>
-          <p:cNvSpPr txBox="1"/>
+          <p:cNvSpPr txBox="1">
+            <a:spLocks noGrp="1"/>
+          </p:cNvSpPr>
           <p:nvPr>
-            <p:ph idx="2" type="body"/>
+            <p:ph type="body" idx="2"/>
           </p:nvPr>
         </p:nvSpPr>
         <p:spPr>
@@ -3850,7 +4176,7 @@
           </a:prstGeom>
         </p:spPr>
         <p:txBody>
-          <a:bodyPr anchorCtr="0" anchor="ctr" bIns="91425" lIns="91425" rIns="91425" tIns="91425"/>
+          <a:bodyPr lIns="91425" tIns="91425" rIns="91425" bIns="91425" anchor="ctr" anchorCtr="0"/>
           <a:lstStyle>
             <a:lvl1pPr lvl="0" rtl="0">
               <a:spcBef>
@@ -3970,15 +4296,19 @@
               </a:defRPr>
             </a:lvl9pPr>
           </a:lstStyle>
-          <a:p/>
+          <a:p>
+            <a:endParaRPr/>
+          </a:p>
         </p:txBody>
       </p:sp>
       <p:sp>
         <p:nvSpPr>
           <p:cNvPr id="44" name="Shape 44"/>
-          <p:cNvSpPr txBox="1"/>
+          <p:cNvSpPr txBox="1">
+            <a:spLocks noGrp="1"/>
+          </p:cNvSpPr>
           <p:nvPr>
-            <p:ph idx="12" type="sldNum"/>
+            <p:ph type="sldNum" idx="12"/>
           </p:nvPr>
         </p:nvSpPr>
         <p:spPr>
@@ -3991,7 +4321,7 @@
           </a:prstGeom>
         </p:spPr>
         <p:txBody>
-          <a:bodyPr anchorCtr="0" anchor="ctr" bIns="91425" lIns="91425" rIns="91425" tIns="91425">
+          <a:bodyPr lIns="91425" tIns="91425" rIns="91425" bIns="91425" anchor="ctr" anchorCtr="0">
             <a:noAutofit/>
           </a:bodyPr>
           <a:lstStyle/>
@@ -4008,8 +4338,19 @@
                   <a:schemeClr val="lt1"/>
                 </a:solidFill>
               </a:rPr>
+              <a:pPr lvl="0" rtl="0">
+                <a:spcBef>
+                  <a:spcPts val="0"/>
+                </a:spcBef>
+                <a:buNone/>
+              </a:pPr>
               <a:t>‹#›</a:t>
             </a:fld>
+            <a:endParaRPr lang="en-US">
+              <a:solidFill>
+                <a:schemeClr val="lt1"/>
+              </a:solidFill>
+            </a:endParaRPr>
           </a:p>
         </p:txBody>
       </p:sp>
@@ -4022,11 +4363,11 @@
 </file>
 
 <file path=ppt/slideLayouts/slideLayout9.xml><?xml version="1.0" encoding="utf-8"?>
-<p:sldLayout xmlns:a="http://schemas.openxmlformats.org/drawingml/2006/main" xmlns:r="http://schemas.openxmlformats.org/officeDocument/2006/relationships" xmlns:mc="http://schemas.openxmlformats.org/markup-compatibility/2006" xmlns:mv="urn:schemas-microsoft-com:mac:vml" xmlns:p="http://schemas.openxmlformats.org/presentationml/2006/main" xmlns:c="http://schemas.openxmlformats.org/drawingml/2006/chart" xmlns:dgm="http://schemas.openxmlformats.org/drawingml/2006/diagram" xmlns:o="urn:schemas-microsoft-com:office:office" xmlns:v="urn:schemas-microsoft-com:vml" xmlns:pvml="urn:schemas-microsoft-com:office:powerpoint" xmlns:com="http://schemas.openxmlformats.org/drawingml/2006/compatibility" xmlns:p14="http://schemas.microsoft.com/office/powerpoint/2010/main">
+<p:sldLayout xmlns:a="http://schemas.openxmlformats.org/drawingml/2006/main" xmlns:r="http://schemas.openxmlformats.org/officeDocument/2006/relationships" xmlns:p="http://schemas.openxmlformats.org/presentationml/2006/main">
   <p:cSld name="Caption">
     <p:spTree>
       <p:nvGrpSpPr>
-        <p:cNvPr id="45" name="Shape 45"/>
+        <p:cNvPr id="1" name="Shape 45"/>
         <p:cNvGrpSpPr/>
         <p:nvPr/>
       </p:nvGrpSpPr>
@@ -4041,9 +4382,11 @@
       <p:sp>
         <p:nvSpPr>
           <p:cNvPr id="46" name="Shape 46"/>
-          <p:cNvSpPr txBox="1"/>
+          <p:cNvSpPr txBox="1">
+            <a:spLocks noGrp="1"/>
+          </p:cNvSpPr>
           <p:nvPr>
-            <p:ph idx="1" type="body"/>
+            <p:ph type="body" idx="1"/>
           </p:nvPr>
         </p:nvSpPr>
         <p:spPr>
@@ -4056,7 +4399,7 @@
           </a:prstGeom>
         </p:spPr>
         <p:txBody>
-          <a:bodyPr anchorCtr="0" anchor="ctr" bIns="91425" lIns="91425" rIns="91425" tIns="91425"/>
+          <a:bodyPr lIns="91425" tIns="91425" rIns="91425" bIns="91425" anchor="ctr" anchorCtr="0"/>
           <a:lstStyle>
             <a:lvl1pPr lvl="0" rtl="0">
               <a:lnSpc>
@@ -4073,15 +4416,19 @@
               <a:defRPr sz="2100"/>
             </a:lvl1pPr>
           </a:lstStyle>
-          <a:p/>
+          <a:p>
+            <a:endParaRPr/>
+          </a:p>
         </p:txBody>
       </p:sp>
       <p:sp>
         <p:nvSpPr>
           <p:cNvPr id="47" name="Shape 47"/>
-          <p:cNvSpPr txBox="1"/>
+          <p:cNvSpPr txBox="1">
+            <a:spLocks noGrp="1"/>
+          </p:cNvSpPr>
           <p:nvPr>
-            <p:ph idx="12" type="sldNum"/>
+            <p:ph type="sldNum" idx="12"/>
           </p:nvPr>
         </p:nvSpPr>
         <p:spPr>
@@ -4094,7 +4441,7 @@
           </a:prstGeom>
         </p:spPr>
         <p:txBody>
-          <a:bodyPr anchorCtr="0" anchor="ctr" bIns="91425" lIns="91425" rIns="91425" tIns="91425">
+          <a:bodyPr lIns="91425" tIns="91425" rIns="91425" bIns="91425" anchor="ctr" anchorCtr="0">
             <a:noAutofit/>
           </a:bodyPr>
           <a:lstStyle/>
@@ -4107,8 +4454,15 @@
             </a:pPr>
             <a:fld id="{00000000-1234-1234-1234-123412341234}" type="slidenum">
               <a:rPr lang="en-US"/>
+              <a:pPr lvl="0" rtl="0">
+                <a:spcBef>
+                  <a:spcPts val="0"/>
+                </a:spcBef>
+                <a:buNone/>
+              </a:pPr>
               <a:t>‹#›</a:t>
             </a:fld>
+            <a:endParaRPr lang="en-US"/>
           </a:p>
         </p:txBody>
       </p:sp>
@@ -4121,18 +4475,19 @@
 </file>
 
 <file path=ppt/slideMasters/slideMaster1.xml><?xml version="1.0" encoding="utf-8"?>
-<p:sldMaster xmlns:a="http://schemas.openxmlformats.org/drawingml/2006/main" xmlns:r="http://schemas.openxmlformats.org/officeDocument/2006/relationships" xmlns:mc="http://schemas.openxmlformats.org/markup-compatibility/2006" xmlns:mv="urn:schemas-microsoft-com:mac:vml" xmlns:p="http://schemas.openxmlformats.org/presentationml/2006/main" xmlns:c="http://schemas.openxmlformats.org/drawingml/2006/chart" xmlns:dgm="http://schemas.openxmlformats.org/drawingml/2006/diagram" xmlns:o="urn:schemas-microsoft-com:office:office" xmlns:v="urn:schemas-microsoft-com:vml" xmlns:pvml="urn:schemas-microsoft-com:office:powerpoint" xmlns:com="http://schemas.openxmlformats.org/drawingml/2006/compatibility" xmlns:p14="http://schemas.microsoft.com/office/powerpoint/2010/main">
+<p:sldMaster xmlns:a="http://schemas.openxmlformats.org/drawingml/2006/main" xmlns:r="http://schemas.openxmlformats.org/officeDocument/2006/relationships" xmlns:p="http://schemas.openxmlformats.org/presentationml/2006/main">
   <p:cSld>
     <p:bg>
       <p:bgPr>
         <a:solidFill>
           <a:schemeClr val="lt1"/>
         </a:solidFill>
+        <a:effectLst/>
       </p:bgPr>
     </p:bg>
     <p:spTree>
       <p:nvGrpSpPr>
-        <p:cNvPr id="5" name="Shape 5"/>
+        <p:cNvPr id="1" name="Shape 5"/>
         <p:cNvGrpSpPr/>
         <p:nvPr/>
       </p:nvGrpSpPr>
@@ -4147,7 +4502,9 @@
       <p:sp>
         <p:nvSpPr>
           <p:cNvPr id="6" name="Shape 6"/>
-          <p:cNvSpPr txBox="1"/>
+          <p:cNvSpPr txBox="1">
+            <a:spLocks noGrp="1"/>
+          </p:cNvSpPr>
           <p:nvPr>
             <p:ph type="title"/>
           </p:nvPr>
@@ -4166,7 +4523,7 @@
           </a:ln>
         </p:spPr>
         <p:txBody>
-          <a:bodyPr anchorCtr="0" anchor="t" bIns="91425" lIns="91425" rIns="91425" tIns="91425"/>
+          <a:bodyPr lIns="91425" tIns="91425" rIns="91425" bIns="91425" anchor="t" anchorCtr="0"/>
           <a:lstStyle>
             <a:lvl1pPr lvl="0" rtl="0">
               <a:spcBef>
@@ -4349,15 +4706,19 @@
               </a:defRPr>
             </a:lvl9pPr>
           </a:lstStyle>
-          <a:p/>
+          <a:p>
+            <a:endParaRPr/>
+          </a:p>
         </p:txBody>
       </p:sp>
       <p:sp>
         <p:nvSpPr>
           <p:cNvPr id="7" name="Shape 7"/>
-          <p:cNvSpPr txBox="1"/>
+          <p:cNvSpPr txBox="1">
+            <a:spLocks noGrp="1"/>
+          </p:cNvSpPr>
           <p:nvPr>
-            <p:ph idx="1" type="body"/>
+            <p:ph type="body" idx="1"/>
           </p:nvPr>
         </p:nvSpPr>
         <p:spPr>
@@ -4374,7 +4735,7 @@
           </a:ln>
         </p:spPr>
         <p:txBody>
-          <a:bodyPr anchorCtr="0" anchor="t" bIns="91425" lIns="91425" rIns="91425" tIns="91425"/>
+          <a:bodyPr lIns="91425" tIns="91425" rIns="91425" bIns="91425" anchor="t" anchorCtr="0"/>
           <a:lstStyle>
             <a:lvl1pPr lvl="0" rtl="0">
               <a:lnSpc>
@@ -4594,15 +4955,19 @@
               </a:defRPr>
             </a:lvl9pPr>
           </a:lstStyle>
-          <a:p/>
+          <a:p>
+            <a:endParaRPr/>
+          </a:p>
         </p:txBody>
       </p:sp>
       <p:sp>
         <p:nvSpPr>
           <p:cNvPr id="8" name="Shape 8"/>
-          <p:cNvSpPr txBox="1"/>
+          <p:cNvSpPr txBox="1">
+            <a:spLocks noGrp="1"/>
+          </p:cNvSpPr>
           <p:nvPr>
-            <p:ph idx="12" type="sldNum"/>
+            <p:ph type="sldNum" idx="12"/>
           </p:nvPr>
         </p:nvSpPr>
         <p:spPr>
@@ -4619,12 +4984,12 @@
           </a:ln>
         </p:spPr>
         <p:txBody>
-          <a:bodyPr anchorCtr="0" anchor="ctr" bIns="91425" lIns="91425" rIns="91425" tIns="91425">
+          <a:bodyPr lIns="91425" tIns="91425" rIns="91425" bIns="91425" anchor="ctr" anchorCtr="0">
             <a:noAutofit/>
           </a:bodyPr>
           <a:lstStyle/>
           <a:p>
-            <a:pPr lvl="0" rtl="0" algn="r">
+            <a:pPr lvl="0" algn="r" rtl="0">
               <a:spcBef>
                 <a:spcPts val="0"/>
               </a:spcBef>
@@ -4640,14 +5005,29 @@
                 <a:cs typeface="Proxima Nova"/>
                 <a:sym typeface="Proxima Nova"/>
               </a:rPr>
+              <a:pPr lvl="0" algn="r" rtl="0">
+                <a:spcBef>
+                  <a:spcPts val="0"/>
+                </a:spcBef>
+                <a:buNone/>
+              </a:pPr>
               <a:t>‹#›</a:t>
             </a:fld>
+            <a:endParaRPr lang="en-US" sz="1000">
+              <a:solidFill>
+                <a:schemeClr val="dk1"/>
+              </a:solidFill>
+              <a:latin typeface="Proxima Nova"/>
+              <a:ea typeface="Proxima Nova"/>
+              <a:cs typeface="Proxima Nova"/>
+              <a:sym typeface="Proxima Nova"/>
+            </a:endParaRPr>
           </a:p>
         </p:txBody>
       </p:sp>
     </p:spTree>
   </p:cSld>
-  <p:clrMap accent1="accent1" accent2="accent2" accent3="accent3" accent4="accent4" accent5="accent5" accent6="accent6" bg1="lt1" bg2="dk2" tx1="dk1" tx2="lt2" folHlink="folHlink" hlink="hlink"/>
+  <p:clrMap bg1="lt1" tx1="dk1" bg2="dk2" tx2="lt2" accent1="accent1" accent2="accent2" accent3="accent3" accent4="accent4" accent5="accent5" accent6="accent6" hlink="hlink" folHlink="folHlink"/>
   <p:sldLayoutIdLst>
     <p:sldLayoutId id="2147483648" r:id="rId1"/>
     <p:sldLayoutId id="2147483649" r:id="rId2"/>
@@ -4662,10 +5042,10 @@
     <p:sldLayoutId id="2147483658" r:id="rId11"/>
     <p:sldLayoutId id="2147483659" r:id="rId12"/>
   </p:sldLayoutIdLst>
-  <p:hf dt="0" ftr="0" hdr="0" sldNum="0"/>
+  <p:hf sldNum="0" hdr="0" ftr="0" dt="0"/>
   <p:txStyles>
     <p:titleStyle>
-      <a:defPPr lvl="0" marR="0" rtl="0" algn="l">
+      <a:defPPr marR="0" lvl="0" algn="l" rtl="0">
         <a:lnSpc>
           <a:spcPct val="100000"/>
         </a:lnSpc>
@@ -4676,7 +5056,7 @@
           <a:spcPts val="0"/>
         </a:spcAft>
       </a:defPPr>
-      <a:lvl1pPr lvl="0" marR="0" rtl="0" algn="l">
+      <a:lvl1pPr marR="0" lvl="0" algn="l" rtl="0">
         <a:lnSpc>
           <a:spcPct val="100000"/>
         </a:lnSpc>
@@ -4687,7 +5067,7 @@
           <a:spcPts val="0"/>
         </a:spcAft>
         <a:buNone/>
-        <a:defRPr b="0" i="0" sz="1400" u="none" cap="none" strike="noStrike">
+        <a:defRPr sz="1400" b="0" i="0" u="none" strike="noStrike" cap="none">
           <a:solidFill>
             <a:srgbClr val="000000"/>
           </a:solidFill>
@@ -4699,7 +5079,7 @@
       </a:lvl1pPr>
     </p:titleStyle>
     <p:bodyStyle>
-      <a:defPPr lvl="0" marR="0" rtl="0" algn="l">
+      <a:defPPr marR="0" lvl="0" algn="l" rtl="0">
         <a:lnSpc>
           <a:spcPct val="100000"/>
         </a:lnSpc>
@@ -4710,7 +5090,7 @@
           <a:spcPts val="0"/>
         </a:spcAft>
       </a:defPPr>
-      <a:lvl1pPr lvl="0" marR="0" rtl="0" algn="l">
+      <a:lvl1pPr marR="0" lvl="0" algn="l" rtl="0">
         <a:lnSpc>
           <a:spcPct val="100000"/>
         </a:lnSpc>
@@ -4721,7 +5101,7 @@
           <a:spcPts val="0"/>
         </a:spcAft>
         <a:buNone/>
-        <a:defRPr b="0" i="0" sz="1400" u="none" cap="none" strike="noStrike">
+        <a:defRPr sz="1400" b="0" i="0" u="none" strike="noStrike" cap="none">
           <a:solidFill>
             <a:srgbClr val="000000"/>
           </a:solidFill>
@@ -4731,7 +5111,7 @@
           <a:sym typeface="Arial"/>
         </a:defRPr>
       </a:lvl1pPr>
-      <a:lvl2pPr lvl="1" marR="0" rtl="0" algn="l">
+      <a:lvl2pPr marR="0" lvl="1" algn="l" rtl="0">
         <a:lnSpc>
           <a:spcPct val="100000"/>
         </a:lnSpc>
@@ -4742,7 +5122,7 @@
           <a:spcPts val="0"/>
         </a:spcAft>
         <a:buNone/>
-        <a:defRPr b="0" i="0" sz="1400" u="none" cap="none" strike="noStrike">
+        <a:defRPr sz="1400" b="0" i="0" u="none" strike="noStrike" cap="none">
           <a:solidFill>
             <a:srgbClr val="000000"/>
           </a:solidFill>
@@ -4752,7 +5132,7 @@
           <a:sym typeface="Arial"/>
         </a:defRPr>
       </a:lvl2pPr>
-      <a:lvl3pPr lvl="2" marR="0" rtl="0" algn="l">
+      <a:lvl3pPr marR="0" lvl="2" algn="l" rtl="0">
         <a:lnSpc>
           <a:spcPct val="100000"/>
         </a:lnSpc>
@@ -4763,7 +5143,7 @@
           <a:spcPts val="0"/>
         </a:spcAft>
         <a:buNone/>
-        <a:defRPr b="0" i="0" sz="1400" u="none" cap="none" strike="noStrike">
+        <a:defRPr sz="1400" b="0" i="0" u="none" strike="noStrike" cap="none">
           <a:solidFill>
             <a:srgbClr val="000000"/>
           </a:solidFill>
@@ -4773,7 +5153,7 @@
           <a:sym typeface="Arial"/>
         </a:defRPr>
       </a:lvl3pPr>
-      <a:lvl4pPr lvl="3" marR="0" rtl="0" algn="l">
+      <a:lvl4pPr marR="0" lvl="3" algn="l" rtl="0">
         <a:lnSpc>
           <a:spcPct val="100000"/>
         </a:lnSpc>
@@ -4784,7 +5164,7 @@
           <a:spcPts val="0"/>
         </a:spcAft>
         <a:buNone/>
-        <a:defRPr b="0" i="0" sz="1400" u="none" cap="none" strike="noStrike">
+        <a:defRPr sz="1400" b="0" i="0" u="none" strike="noStrike" cap="none">
           <a:solidFill>
             <a:srgbClr val="000000"/>
           </a:solidFill>
@@ -4794,7 +5174,7 @@
           <a:sym typeface="Arial"/>
         </a:defRPr>
       </a:lvl4pPr>
-      <a:lvl5pPr lvl="4" marR="0" rtl="0" algn="l">
+      <a:lvl5pPr marR="0" lvl="4" algn="l" rtl="0">
         <a:lnSpc>
           <a:spcPct val="100000"/>
         </a:lnSpc>
@@ -4805,7 +5185,7 @@
           <a:spcPts val="0"/>
         </a:spcAft>
         <a:buNone/>
-        <a:defRPr b="0" i="0" sz="1400" u="none" cap="none" strike="noStrike">
+        <a:defRPr sz="1400" b="0" i="0" u="none" strike="noStrike" cap="none">
           <a:solidFill>
             <a:srgbClr val="000000"/>
           </a:solidFill>
@@ -4815,7 +5195,7 @@
           <a:sym typeface="Arial"/>
         </a:defRPr>
       </a:lvl5pPr>
-      <a:lvl6pPr lvl="5" marR="0" rtl="0" algn="l">
+      <a:lvl6pPr marR="0" lvl="5" algn="l" rtl="0">
         <a:lnSpc>
           <a:spcPct val="100000"/>
         </a:lnSpc>
@@ -4826,7 +5206,7 @@
           <a:spcPts val="0"/>
         </a:spcAft>
         <a:buNone/>
-        <a:defRPr b="0" i="0" sz="1400" u="none" cap="none" strike="noStrike">
+        <a:defRPr sz="1400" b="0" i="0" u="none" strike="noStrike" cap="none">
           <a:solidFill>
             <a:srgbClr val="000000"/>
           </a:solidFill>
@@ -4836,7 +5216,7 @@
           <a:sym typeface="Arial"/>
         </a:defRPr>
       </a:lvl6pPr>
-      <a:lvl7pPr lvl="6" marR="0" rtl="0" algn="l">
+      <a:lvl7pPr marR="0" lvl="6" algn="l" rtl="0">
         <a:lnSpc>
           <a:spcPct val="100000"/>
         </a:lnSpc>
@@ -4847,7 +5227,7 @@
           <a:spcPts val="0"/>
         </a:spcAft>
         <a:buNone/>
-        <a:defRPr b="0" i="0" sz="1400" u="none" cap="none" strike="noStrike">
+        <a:defRPr sz="1400" b="0" i="0" u="none" strike="noStrike" cap="none">
           <a:solidFill>
             <a:srgbClr val="000000"/>
           </a:solidFill>
@@ -4857,7 +5237,7 @@
           <a:sym typeface="Arial"/>
         </a:defRPr>
       </a:lvl7pPr>
-      <a:lvl8pPr lvl="7" marR="0" rtl="0" algn="l">
+      <a:lvl8pPr marR="0" lvl="7" algn="l" rtl="0">
         <a:lnSpc>
           <a:spcPct val="100000"/>
         </a:lnSpc>
@@ -4868,7 +5248,7 @@
           <a:spcPts val="0"/>
         </a:spcAft>
         <a:buNone/>
-        <a:defRPr b="0" i="0" sz="1400" u="none" cap="none" strike="noStrike">
+        <a:defRPr sz="1400" b="0" i="0" u="none" strike="noStrike" cap="none">
           <a:solidFill>
             <a:srgbClr val="000000"/>
           </a:solidFill>
@@ -4878,7 +5258,7 @@
           <a:sym typeface="Arial"/>
         </a:defRPr>
       </a:lvl8pPr>
-      <a:lvl9pPr lvl="8" marR="0" rtl="0" algn="l">
+      <a:lvl9pPr marR="0" lvl="8" algn="l" rtl="0">
         <a:lnSpc>
           <a:spcPct val="100000"/>
         </a:lnSpc>
@@ -4889,7 +5269,7 @@
           <a:spcPts val="0"/>
         </a:spcAft>
         <a:buNone/>
-        <a:defRPr b="0" i="0" sz="1400" u="none" cap="none" strike="noStrike">
+        <a:defRPr sz="1400" b="0" i="0" u="none" strike="noStrike" cap="none">
           <a:solidFill>
             <a:srgbClr val="000000"/>
           </a:solidFill>
@@ -4901,7 +5281,7 @@
       </a:lvl9pPr>
     </p:bodyStyle>
     <p:otherStyle>
-      <a:defPPr lvl="0" marR="0" rtl="0" algn="l">
+      <a:defPPr marR="0" lvl="0" algn="l" rtl="0">
         <a:lnSpc>
           <a:spcPct val="100000"/>
         </a:lnSpc>
@@ -4912,7 +5292,7 @@
           <a:spcPts val="0"/>
         </a:spcAft>
       </a:defPPr>
-      <a:lvl1pPr lvl="0" marR="0" rtl="0" algn="l">
+      <a:lvl1pPr marR="0" lvl="0" algn="l" rtl="0">
         <a:lnSpc>
           <a:spcPct val="100000"/>
         </a:lnSpc>
@@ -4923,7 +5303,7 @@
           <a:spcPts val="0"/>
         </a:spcAft>
         <a:buNone/>
-        <a:defRPr b="0" i="0" sz="1400" u="none" cap="none" strike="noStrike">
+        <a:defRPr sz="1400" b="0" i="0" u="none" strike="noStrike" cap="none">
           <a:solidFill>
             <a:srgbClr val="000000"/>
           </a:solidFill>
@@ -4933,7 +5313,7 @@
           <a:sym typeface="Arial"/>
         </a:defRPr>
       </a:lvl1pPr>
-      <a:lvl2pPr lvl="1" marR="0" rtl="0" algn="l">
+      <a:lvl2pPr marR="0" lvl="1" algn="l" rtl="0">
         <a:lnSpc>
           <a:spcPct val="100000"/>
         </a:lnSpc>
@@ -4944,7 +5324,7 @@
           <a:spcPts val="0"/>
         </a:spcAft>
         <a:buNone/>
-        <a:defRPr b="0" i="0" sz="1400" u="none" cap="none" strike="noStrike">
+        <a:defRPr sz="1400" b="0" i="0" u="none" strike="noStrike" cap="none">
           <a:solidFill>
             <a:srgbClr val="000000"/>
           </a:solidFill>
@@ -4954,7 +5334,7 @@
           <a:sym typeface="Arial"/>
         </a:defRPr>
       </a:lvl2pPr>
-      <a:lvl3pPr lvl="2" marR="0" rtl="0" algn="l">
+      <a:lvl3pPr marR="0" lvl="2" algn="l" rtl="0">
         <a:lnSpc>
           <a:spcPct val="100000"/>
         </a:lnSpc>
@@ -4965,7 +5345,7 @@
           <a:spcPts val="0"/>
         </a:spcAft>
         <a:buNone/>
-        <a:defRPr b="0" i="0" sz="1400" u="none" cap="none" strike="noStrike">
+        <a:defRPr sz="1400" b="0" i="0" u="none" strike="noStrike" cap="none">
           <a:solidFill>
             <a:srgbClr val="000000"/>
           </a:solidFill>
@@ -4975,7 +5355,7 @@
           <a:sym typeface="Arial"/>
         </a:defRPr>
       </a:lvl3pPr>
-      <a:lvl4pPr lvl="3" marR="0" rtl="0" algn="l">
+      <a:lvl4pPr marR="0" lvl="3" algn="l" rtl="0">
         <a:lnSpc>
           <a:spcPct val="100000"/>
         </a:lnSpc>
@@ -4986,7 +5366,7 @@
           <a:spcPts val="0"/>
         </a:spcAft>
         <a:buNone/>
-        <a:defRPr b="0" i="0" sz="1400" u="none" cap="none" strike="noStrike">
+        <a:defRPr sz="1400" b="0" i="0" u="none" strike="noStrike" cap="none">
           <a:solidFill>
             <a:srgbClr val="000000"/>
           </a:solidFill>
@@ -4996,7 +5376,7 @@
           <a:sym typeface="Arial"/>
         </a:defRPr>
       </a:lvl4pPr>
-      <a:lvl5pPr lvl="4" marR="0" rtl="0" algn="l">
+      <a:lvl5pPr marR="0" lvl="4" algn="l" rtl="0">
         <a:lnSpc>
           <a:spcPct val="100000"/>
         </a:lnSpc>
@@ -5007,7 +5387,7 @@
           <a:spcPts val="0"/>
         </a:spcAft>
         <a:buNone/>
-        <a:defRPr b="0" i="0" sz="1400" u="none" cap="none" strike="noStrike">
+        <a:defRPr sz="1400" b="0" i="0" u="none" strike="noStrike" cap="none">
           <a:solidFill>
             <a:srgbClr val="000000"/>
           </a:solidFill>
@@ -5017,7 +5397,7 @@
           <a:sym typeface="Arial"/>
         </a:defRPr>
       </a:lvl5pPr>
-      <a:lvl6pPr lvl="5" marR="0" rtl="0" algn="l">
+      <a:lvl6pPr marR="0" lvl="5" algn="l" rtl="0">
         <a:lnSpc>
           <a:spcPct val="100000"/>
         </a:lnSpc>
@@ -5028,7 +5408,7 @@
           <a:spcPts val="0"/>
         </a:spcAft>
         <a:buNone/>
-        <a:defRPr b="0" i="0" sz="1400" u="none" cap="none" strike="noStrike">
+        <a:defRPr sz="1400" b="0" i="0" u="none" strike="noStrike" cap="none">
           <a:solidFill>
             <a:srgbClr val="000000"/>
           </a:solidFill>
@@ -5038,7 +5418,7 @@
           <a:sym typeface="Arial"/>
         </a:defRPr>
       </a:lvl6pPr>
-      <a:lvl7pPr lvl="6" marR="0" rtl="0" algn="l">
+      <a:lvl7pPr marR="0" lvl="6" algn="l" rtl="0">
         <a:lnSpc>
           <a:spcPct val="100000"/>
         </a:lnSpc>
@@ -5049,7 +5429,7 @@
           <a:spcPts val="0"/>
         </a:spcAft>
         <a:buNone/>
-        <a:defRPr b="0" i="0" sz="1400" u="none" cap="none" strike="noStrike">
+        <a:defRPr sz="1400" b="0" i="0" u="none" strike="noStrike" cap="none">
           <a:solidFill>
             <a:srgbClr val="000000"/>
           </a:solidFill>
@@ -5059,7 +5439,7 @@
           <a:sym typeface="Arial"/>
         </a:defRPr>
       </a:lvl7pPr>
-      <a:lvl8pPr lvl="7" marR="0" rtl="0" algn="l">
+      <a:lvl8pPr marR="0" lvl="7" algn="l" rtl="0">
         <a:lnSpc>
           <a:spcPct val="100000"/>
         </a:lnSpc>
@@ -5070,7 +5450,7 @@
           <a:spcPts val="0"/>
         </a:spcAft>
         <a:buNone/>
-        <a:defRPr b="0" i="0" sz="1400" u="none" cap="none" strike="noStrike">
+        <a:defRPr sz="1400" b="0" i="0" u="none" strike="noStrike" cap="none">
           <a:solidFill>
             <a:srgbClr val="000000"/>
           </a:solidFill>
@@ -5080,7 +5460,7 @@
           <a:sym typeface="Arial"/>
         </a:defRPr>
       </a:lvl8pPr>
-      <a:lvl9pPr lvl="8" marR="0" rtl="0" algn="l">
+      <a:lvl9pPr marR="0" lvl="8" algn="l" rtl="0">
         <a:lnSpc>
           <a:spcPct val="100000"/>
         </a:lnSpc>
@@ -5091,7 +5471,7 @@
           <a:spcPts val="0"/>
         </a:spcAft>
         <a:buNone/>
-        <a:defRPr b="0" i="0" sz="1400" u="none" cap="none" strike="noStrike">
+        <a:defRPr sz="1400" b="0" i="0" u="none" strike="noStrike" cap="none">
           <a:solidFill>
             <a:srgbClr val="000000"/>
           </a:solidFill>
@@ -5107,11 +5487,11 @@
 </file>
 
 <file path=ppt/slides/slide1.xml><?xml version="1.0" encoding="utf-8"?>
-<p:sld xmlns:a="http://schemas.openxmlformats.org/drawingml/2006/main" xmlns:r="http://schemas.openxmlformats.org/officeDocument/2006/relationships" xmlns:mc="http://schemas.openxmlformats.org/markup-compatibility/2006" xmlns:mv="urn:schemas-microsoft-com:mac:vml" xmlns:p="http://schemas.openxmlformats.org/presentationml/2006/main" xmlns:c="http://schemas.openxmlformats.org/drawingml/2006/chart" xmlns:dgm="http://schemas.openxmlformats.org/drawingml/2006/diagram" xmlns:o="urn:schemas-microsoft-com:office:office" xmlns:v="urn:schemas-microsoft-com:vml" xmlns:pvml="urn:schemas-microsoft-com:office:powerpoint" xmlns:com="http://schemas.openxmlformats.org/drawingml/2006/compatibility" xmlns:p14="http://schemas.microsoft.com/office/powerpoint/2010/main">
+<p:sld xmlns:a="http://schemas.openxmlformats.org/drawingml/2006/main" xmlns:r="http://schemas.openxmlformats.org/officeDocument/2006/relationships" xmlns:p="http://schemas.openxmlformats.org/presentationml/2006/main">
   <p:cSld>
     <p:spTree>
       <p:nvGrpSpPr>
-        <p:cNvPr id="64" name="Shape 64"/>
+        <p:cNvPr id="1" name="Shape 64"/>
         <p:cNvGrpSpPr/>
         <p:nvPr/>
       </p:nvGrpSpPr>
@@ -5126,7 +5506,9 @@
       <p:sp>
         <p:nvSpPr>
           <p:cNvPr id="65" name="Shape 65"/>
-          <p:cNvSpPr txBox="1"/>
+          <p:cNvSpPr txBox="1">
+            <a:spLocks noGrp="1"/>
+          </p:cNvSpPr>
           <p:nvPr>
             <p:ph type="ctrTitle"/>
           </p:nvPr>
@@ -5145,12 +5527,12 @@
           </a:ln>
         </p:spPr>
         <p:txBody>
-          <a:bodyPr anchorCtr="0" anchor="ctr" bIns="45700" lIns="91425" rIns="91425" tIns="45700">
+          <a:bodyPr lIns="91425" tIns="45700" rIns="91425" bIns="45700" anchor="ctr" anchorCtr="0">
             <a:noAutofit/>
           </a:bodyPr>
           <a:lstStyle/>
           <a:p>
-            <a:pPr indent="0" lvl="0" marL="0" marR="0" rtl="0" algn="ctr">
+            <a:pPr marL="0" marR="0" lvl="0" indent="0" algn="ctr" rtl="0">
               <a:spcBef>
                 <a:spcPts val="0"/>
               </a:spcBef>
@@ -5162,7 +5544,7 @@
               <a:buNone/>
             </a:pPr>
             <a:r>
-              <a:rPr b="0" i="0" lang="en-US" sz="4400" u="none" cap="none" strike="noStrike">
+              <a:rPr lang="en-US" sz="4400" b="0" i="0" u="none" strike="noStrike" cap="none">
                 <a:latin typeface="Calibri"/>
                 <a:ea typeface="Calibri"/>
                 <a:cs typeface="Calibri"/>
@@ -5176,9 +5558,11 @@
       <p:sp>
         <p:nvSpPr>
           <p:cNvPr id="66" name="Shape 66"/>
-          <p:cNvSpPr txBox="1"/>
+          <p:cNvSpPr txBox="1">
+            <a:spLocks noGrp="1"/>
+          </p:cNvSpPr>
           <p:nvPr>
-            <p:ph idx="1" type="subTitle"/>
+            <p:ph type="subTitle" idx="1"/>
           </p:nvPr>
         </p:nvSpPr>
         <p:spPr>
@@ -5195,12 +5579,12 @@
           </a:ln>
         </p:spPr>
         <p:txBody>
-          <a:bodyPr anchorCtr="0" anchor="t" bIns="45700" lIns="91425" rIns="91425" tIns="45700">
+          <a:bodyPr lIns="91425" tIns="45700" rIns="91425" bIns="45700" anchor="t" anchorCtr="0">
             <a:noAutofit/>
           </a:bodyPr>
           <a:lstStyle/>
           <a:p>
-            <a:pPr indent="0" lvl="0" marL="0" marR="0" rtl="0" algn="ctr">
+            <a:pPr marL="0" marR="0" lvl="0" indent="0" algn="ctr" rtl="0">
               <a:lnSpc>
                 <a:spcPct val="90000"/>
               </a:lnSpc>
@@ -5218,7 +5602,7 @@
               <a:buNone/>
             </a:pPr>
             <a:r>
-              <a:rPr b="0" i="0" lang="en-US" sz="2720" u="none" cap="none" strike="noStrike">
+              <a:rPr lang="en-US" sz="2720" b="0" i="0" u="none" strike="noStrike" cap="none">
                 <a:solidFill>
                   <a:srgbClr val="888888"/>
                 </a:solidFill>
@@ -5231,7 +5615,7 @@
             </a:r>
           </a:p>
           <a:p>
-            <a:pPr indent="0" lvl="0" marL="0" marR="0" rtl="0" algn="ctr">
+            <a:pPr marL="0" marR="0" lvl="0" indent="0" algn="ctr" rtl="0">
               <a:lnSpc>
                 <a:spcPct val="90000"/>
               </a:lnSpc>
@@ -5249,7 +5633,7 @@
               <a:buNone/>
             </a:pPr>
             <a:r>
-              <a:rPr b="0" i="0" lang="en-US" u="none" cap="none" strike="noStrike">
+              <a:rPr lang="en-US" b="0" i="0" u="none" strike="noStrike" cap="none">
                 <a:latin typeface="Calibri"/>
                 <a:ea typeface="Calibri"/>
                 <a:cs typeface="Calibri"/>
@@ -5259,7 +5643,7 @@
             </a:r>
           </a:p>
           <a:p>
-            <a:pPr lvl="0" rtl="0" algn="ctr">
+            <a:pPr lvl="0" algn="ctr" rtl="0">
               <a:lnSpc>
                 <a:spcPct val="90000"/>
               </a:lnSpc>
@@ -5284,7 +5668,7 @@
             </a:r>
           </a:p>
           <a:p>
-            <a:pPr indent="0" lvl="0" marL="0" marR="0" rtl="0" algn="ctr">
+            <a:pPr marL="0" marR="0" lvl="0" indent="0" algn="ctr" rtl="0">
               <a:lnSpc>
                 <a:spcPct val="90000"/>
               </a:lnSpc>
@@ -5302,7 +5686,7 @@
               <a:buNone/>
             </a:pPr>
             <a:r>
-              <a:rPr b="0" i="0" lang="en-US" u="none" cap="none" strike="noStrike">
+              <a:rPr lang="en-US" b="0" i="0" u="none" strike="noStrike" cap="none">
                 <a:latin typeface="Calibri"/>
                 <a:ea typeface="Calibri"/>
                 <a:cs typeface="Calibri"/>
@@ -5312,7 +5696,7 @@
             </a:r>
           </a:p>
           <a:p>
-            <a:pPr indent="0" lvl="0" marL="0" marR="0" rtl="0" algn="ctr">
+            <a:pPr marL="0" marR="0" lvl="0" indent="0" algn="ctr" rtl="0">
               <a:lnSpc>
                 <a:spcPct val="90000"/>
               </a:lnSpc>
@@ -5330,7 +5714,7 @@
               <a:buNone/>
             </a:pPr>
             <a:r>
-              <a:rPr b="0" i="0" lang="en-US" u="none" cap="none" strike="noStrike">
+              <a:rPr lang="en-US" b="0" i="0" u="none" strike="noStrike" cap="none">
                 <a:latin typeface="Calibri"/>
                 <a:ea typeface="Calibri"/>
                 <a:cs typeface="Calibri"/>
@@ -5340,7 +5724,7 @@
             </a:r>
           </a:p>
           <a:p>
-            <a:pPr indent="0" lvl="0" marL="0" marR="0" rtl="0" algn="ctr">
+            <a:pPr marL="0" marR="0" lvl="0" indent="0" algn="ctr" rtl="0">
               <a:lnSpc>
                 <a:spcPct val="90000"/>
               </a:lnSpc>
@@ -5357,13 +5741,10 @@
               <a:buFont typeface="Arial"/>
               <a:buNone/>
             </a:pPr>
-            <a:r>
-              <a:t/>
-            </a:r>
             <a:endParaRPr sz="2720"/>
           </a:p>
           <a:p>
-            <a:pPr indent="0" lvl="0" marL="0" marR="0" rtl="0" algn="ctr">
+            <a:pPr marL="0" marR="0" lvl="0" indent="0" algn="ctr" rtl="0">
               <a:lnSpc>
                 <a:spcPct val="90000"/>
               </a:lnSpc>
@@ -5378,7 +5759,7 @@
               <a:buNone/>
             </a:pPr>
             <a:r>
-              <a:rPr b="0" i="0" lang="en-US" sz="2720" u="none" cap="none" strike="noStrike">
+              <a:rPr lang="en-US" sz="2720" b="0" i="0" u="none" strike="noStrike" cap="none">
                 <a:solidFill>
                   <a:srgbClr val="888888"/>
                 </a:solidFill>
@@ -5408,11 +5789,11 @@
 </file>
 
 <file path=ppt/slides/slide2.xml><?xml version="1.0" encoding="utf-8"?>
-<p:sld xmlns:a="http://schemas.openxmlformats.org/drawingml/2006/main" xmlns:r="http://schemas.openxmlformats.org/officeDocument/2006/relationships" xmlns:mc="http://schemas.openxmlformats.org/markup-compatibility/2006" xmlns:mv="urn:schemas-microsoft-com:mac:vml" xmlns:p="http://schemas.openxmlformats.org/presentationml/2006/main" xmlns:c="http://schemas.openxmlformats.org/drawingml/2006/chart" xmlns:dgm="http://schemas.openxmlformats.org/drawingml/2006/diagram" xmlns:o="urn:schemas-microsoft-com:office:office" xmlns:v="urn:schemas-microsoft-com:vml" xmlns:pvml="urn:schemas-microsoft-com:office:powerpoint" xmlns:com="http://schemas.openxmlformats.org/drawingml/2006/compatibility" xmlns:p14="http://schemas.microsoft.com/office/powerpoint/2010/main">
+<p:sld xmlns:a="http://schemas.openxmlformats.org/drawingml/2006/main" xmlns:r="http://schemas.openxmlformats.org/officeDocument/2006/relationships" xmlns:p="http://schemas.openxmlformats.org/presentationml/2006/main">
   <p:cSld>
     <p:spTree>
       <p:nvGrpSpPr>
-        <p:cNvPr id="70" name="Shape 70"/>
+        <p:cNvPr id="1" name="Shape 70"/>
         <p:cNvGrpSpPr/>
         <p:nvPr/>
       </p:nvGrpSpPr>
@@ -5427,7 +5808,9 @@
       <p:sp>
         <p:nvSpPr>
           <p:cNvPr id="71" name="Shape 71"/>
-          <p:cNvSpPr txBox="1"/>
+          <p:cNvSpPr txBox="1">
+            <a:spLocks noGrp="1"/>
+          </p:cNvSpPr>
           <p:nvPr>
             <p:ph type="title"/>
           </p:nvPr>
@@ -5442,7 +5825,7 @@
           </a:prstGeom>
         </p:spPr>
         <p:txBody>
-          <a:bodyPr anchorCtr="0" anchor="ctr" bIns="91425" lIns="91425" rIns="91425" tIns="91425">
+          <a:bodyPr lIns="91425" tIns="91425" rIns="91425" bIns="91425" anchor="ctr" anchorCtr="0">
             <a:noAutofit/>
           </a:bodyPr>
           <a:lstStyle/>
@@ -5463,9 +5846,11 @@
       <p:sp>
         <p:nvSpPr>
           <p:cNvPr id="72" name="Shape 72"/>
-          <p:cNvSpPr txBox="1"/>
+          <p:cNvSpPr txBox="1">
+            <a:spLocks noGrp="1"/>
+          </p:cNvSpPr>
           <p:nvPr>
-            <p:ph idx="1" type="body"/>
+            <p:ph type="body" idx="1"/>
           </p:nvPr>
         </p:nvSpPr>
         <p:spPr>
@@ -5478,73 +5863,85 @@
           </a:prstGeom>
         </p:spPr>
         <p:txBody>
-          <a:bodyPr anchorCtr="0" anchor="t" bIns="91425" lIns="91425" rIns="91425" tIns="91425">
+          <a:bodyPr lIns="91425" tIns="91425" rIns="91425" bIns="91425" anchor="t" anchorCtr="0">
             <a:noAutofit/>
           </a:bodyPr>
           <a:lstStyle/>
           <a:p>
-            <a:pPr indent="-228600" lvl="0" marL="457200" rtl="0">
+            <a:pPr marL="457200" lvl="0" indent="-228600" rtl="0">
               <a:spcBef>
                 <a:spcPts val="0"/>
               </a:spcBef>
             </a:pPr>
             <a:r>
-              <a:rPr lang="en-US"/>
-              <a:t>Platformer along the lines of Metroid/Mario</a:t>
+              <a:rPr lang="en-US" sz="2800" dirty="0" err="1"/>
+              <a:t>Platformer</a:t>
+            </a:r>
+            <a:r>
+              <a:rPr lang="en-US" sz="2800" dirty="0"/>
+              <a:t> along the lines of </a:t>
+            </a:r>
+            <a:r>
+              <a:rPr lang="en-US" sz="2800" dirty="0" err="1"/>
+              <a:t>Metroid</a:t>
+            </a:r>
+            <a:r>
+              <a:rPr lang="en-US" sz="2800" dirty="0"/>
+              <a:t>/Mario</a:t>
             </a:r>
           </a:p>
           <a:p>
-            <a:pPr indent="-228600" lvl="0" marL="457200" rtl="0">
+            <a:pPr marL="457200" lvl="0" indent="-228600" rtl="0">
               <a:spcBef>
                 <a:spcPts val="0"/>
               </a:spcBef>
             </a:pPr>
             <a:r>
-              <a:rPr lang="en-US"/>
+              <a:rPr lang="en-US" sz="2800" dirty="0"/>
               <a:t>Ranged Attacks</a:t>
             </a:r>
           </a:p>
           <a:p>
-            <a:pPr indent="-228600" lvl="0" marL="457200" rtl="0">
+            <a:pPr marL="457200" lvl="0" indent="-228600" rtl="0">
               <a:spcBef>
                 <a:spcPts val="0"/>
               </a:spcBef>
             </a:pPr>
             <a:r>
-              <a:rPr lang="en-US"/>
+              <a:rPr lang="en-US" sz="2800" dirty="0"/>
               <a:t>Level-based</a:t>
             </a:r>
           </a:p>
           <a:p>
-            <a:pPr indent="-228600" lvl="0" marL="457200" rtl="0">
+            <a:pPr marL="457200" lvl="0" indent="-228600" rtl="0">
               <a:spcBef>
                 <a:spcPts val="0"/>
               </a:spcBef>
             </a:pPr>
             <a:r>
-              <a:rPr lang="en-US"/>
+              <a:rPr lang="en-US" sz="2800" dirty="0"/>
               <a:t>Collect Records - One goal Record per level, zero or more bonus Records</a:t>
             </a:r>
           </a:p>
           <a:p>
-            <a:pPr indent="-228600" lvl="0" marL="457200" rtl="0">
+            <a:pPr marL="457200" lvl="0" indent="-228600" rtl="0">
               <a:spcBef>
                 <a:spcPts val="0"/>
               </a:spcBef>
             </a:pPr>
             <a:r>
-              <a:rPr lang="en-US"/>
+              <a:rPr lang="en-US" sz="2800" dirty="0"/>
               <a:t>Records used as music-based power-ups</a:t>
             </a:r>
           </a:p>
           <a:p>
-            <a:pPr indent="-228600" lvl="0" marL="457200" rtl="0">
+            <a:pPr marL="457200" lvl="0" indent="-228600" rtl="0">
               <a:spcBef>
                 <a:spcPts val="0"/>
               </a:spcBef>
             </a:pPr>
             <a:r>
-              <a:rPr lang="en-US"/>
+              <a:rPr lang="en-US" sz="2800" dirty="0"/>
               <a:t>Objective: Collect goal Record as fast as possible</a:t>
             </a:r>
           </a:p>
@@ -5562,11 +5959,11 @@
 </file>
 
 <file path=ppt/slides/slide3.xml><?xml version="1.0" encoding="utf-8"?>
-<p:sld xmlns:a="http://schemas.openxmlformats.org/drawingml/2006/main" xmlns:r="http://schemas.openxmlformats.org/officeDocument/2006/relationships" xmlns:mc="http://schemas.openxmlformats.org/markup-compatibility/2006" xmlns:mv="urn:schemas-microsoft-com:mac:vml" xmlns:p="http://schemas.openxmlformats.org/presentationml/2006/main" xmlns:c="http://schemas.openxmlformats.org/drawingml/2006/chart" xmlns:dgm="http://schemas.openxmlformats.org/drawingml/2006/diagram" xmlns:o="urn:schemas-microsoft-com:office:office" xmlns:v="urn:schemas-microsoft-com:vml" xmlns:pvml="urn:schemas-microsoft-com:office:powerpoint" xmlns:com="http://schemas.openxmlformats.org/drawingml/2006/compatibility" xmlns:p14="http://schemas.microsoft.com/office/powerpoint/2010/main">
+<p:sld xmlns:a="http://schemas.openxmlformats.org/drawingml/2006/main" xmlns:r="http://schemas.openxmlformats.org/officeDocument/2006/relationships" xmlns:p="http://schemas.openxmlformats.org/presentationml/2006/main">
   <p:cSld>
     <p:spTree>
       <p:nvGrpSpPr>
-        <p:cNvPr id="76" name="Shape 76"/>
+        <p:cNvPr id="1" name="Shape 76"/>
         <p:cNvGrpSpPr/>
         <p:nvPr/>
       </p:nvGrpSpPr>
@@ -5581,7 +5978,9 @@
       <p:sp>
         <p:nvSpPr>
           <p:cNvPr id="77" name="Shape 77"/>
-          <p:cNvSpPr txBox="1"/>
+          <p:cNvSpPr txBox="1">
+            <a:spLocks noGrp="1"/>
+          </p:cNvSpPr>
           <p:nvPr>
             <p:ph type="title"/>
           </p:nvPr>
@@ -5596,7 +5995,7 @@
           </a:prstGeom>
         </p:spPr>
         <p:txBody>
-          <a:bodyPr anchorCtr="0" anchor="ctr" bIns="91425" lIns="91425" rIns="91425" tIns="91425">
+          <a:bodyPr lIns="91425" tIns="91425" rIns="91425" bIns="91425" anchor="ctr" anchorCtr="0">
             <a:noAutofit/>
           </a:bodyPr>
           <a:lstStyle/>
@@ -5617,9 +6016,11 @@
       <p:sp>
         <p:nvSpPr>
           <p:cNvPr id="78" name="Shape 78"/>
-          <p:cNvSpPr txBox="1"/>
+          <p:cNvSpPr txBox="1">
+            <a:spLocks noGrp="1"/>
+          </p:cNvSpPr>
           <p:nvPr>
-            <p:ph idx="1" type="body"/>
+            <p:ph type="body" idx="1"/>
           </p:nvPr>
         </p:nvSpPr>
         <p:spPr>
@@ -5632,12 +6033,12 @@
           </a:prstGeom>
         </p:spPr>
         <p:txBody>
-          <a:bodyPr anchorCtr="0" anchor="t" bIns="91425" lIns="91425" rIns="91425" tIns="91425">
+          <a:bodyPr lIns="91425" tIns="91425" rIns="91425" bIns="91425" anchor="t" anchorCtr="0">
             <a:noAutofit/>
           </a:bodyPr>
           <a:lstStyle/>
           <a:p>
-            <a:pPr indent="-406400" lvl="0" marL="457200" rtl="0">
+            <a:pPr marL="457200" lvl="0" indent="-406400" rtl="0">
               <a:spcBef>
                 <a:spcPts val="0"/>
               </a:spcBef>
@@ -5649,7 +6050,7 @@
             </a:r>
           </a:p>
           <a:p>
-            <a:pPr indent="-406400" lvl="0" marL="457200" rtl="0">
+            <a:pPr marL="457200" lvl="0" indent="-406400" rtl="0">
               <a:spcBef>
                 <a:spcPts val="0"/>
               </a:spcBef>
@@ -5721,9 +6122,11 @@
       <p:sp>
         <p:nvSpPr>
           <p:cNvPr id="81" name="Shape 81"/>
-          <p:cNvSpPr txBox="1"/>
+          <p:cNvSpPr txBox="1">
+            <a:spLocks noGrp="1"/>
+          </p:cNvSpPr>
           <p:nvPr>
-            <p:ph idx="1" type="body"/>
+            <p:ph type="body" idx="1"/>
           </p:nvPr>
         </p:nvSpPr>
         <p:spPr>
@@ -5736,12 +6139,12 @@
           </a:prstGeom>
         </p:spPr>
         <p:txBody>
-          <a:bodyPr anchorCtr="0" anchor="t" bIns="91425" lIns="91425" rIns="91425" tIns="91425">
+          <a:bodyPr lIns="91425" tIns="91425" rIns="91425" bIns="91425" anchor="t" anchorCtr="0">
             <a:noAutofit/>
           </a:bodyPr>
           <a:lstStyle/>
           <a:p>
-            <a:pPr indent="-406400" lvl="0" marL="457200" rtl="0">
+            <a:pPr marL="457200" lvl="0" indent="-406400" rtl="0">
               <a:spcBef>
                 <a:spcPts val="0"/>
               </a:spcBef>
@@ -5753,7 +6156,7 @@
             </a:r>
           </a:p>
           <a:p>
-            <a:pPr indent="-406400" lvl="0" marL="457200" rtl="0">
+            <a:pPr marL="457200" lvl="0" indent="-406400" rtl="0">
               <a:spcBef>
                 <a:spcPts val="0"/>
               </a:spcBef>
@@ -5765,7 +6168,7 @@
             </a:r>
           </a:p>
           <a:p>
-            <a:pPr indent="-406400" lvl="0" marL="457200" rtl="0">
+            <a:pPr marL="457200" lvl="0" indent="-406400" rtl="0">
               <a:spcBef>
                 <a:spcPts val="0"/>
               </a:spcBef>
@@ -5790,7 +6193,7 @@
 </file>
 
 <file path=ppt/theme/theme1.xml><?xml version="1.0" encoding="utf-8"?>
-<a:theme xmlns:a="http://schemas.openxmlformats.org/drawingml/2006/main" xmlns:r="http://schemas.openxmlformats.org/officeDocument/2006/relationships" name="spearmint">
+<a:theme xmlns:a="http://schemas.openxmlformats.org/drawingml/2006/main" name="spearmint">
   <a:themeElements>
     <a:clrScheme name="Spearmint">
       <a:dk1>
@@ -6065,11 +6468,13 @@
       </a:bgFillStyleLst>
     </a:fmtScheme>
   </a:themeElements>
+  <a:objectDefaults/>
+  <a:extraClrSchemeLst/>
 </a:theme>
 </file>
 
 <file path=ppt/theme/theme2.xml><?xml version="1.0" encoding="utf-8"?>
-<a:theme xmlns:a="http://schemas.openxmlformats.org/drawingml/2006/main" xmlns:r="http://schemas.openxmlformats.org/officeDocument/2006/relationships" name="Custom Theme">
+<a:theme xmlns:a="http://schemas.openxmlformats.org/drawingml/2006/main" name="Custom Theme">
   <a:themeElements>
     <a:clrScheme name="Default">
       <a:dk1>
@@ -6344,5 +6749,7 @@
       </a:bgFillStyleLst>
     </a:fmtScheme>
   </a:themeElements>
+  <a:objectDefaults/>
+  <a:extraClrSchemeLst/>
 </a:theme>
 </file>